--- a/A阿曼/proposal for Oman.pptx
+++ b/A阿曼/proposal for Oman.pptx
@@ -617,7 +617,7 @@
           <a:p>
             <a:fld id="{0B6D309D-058B-5748-A1EB-3930265D673C}" type="datetimeFigureOut">
               <a:rPr kumimoji="1" lang="zh-CN" altLang="en-US" smtClean="0"/>
-              <a:t>2018/12/5</a:t>
+              <a:t>2018/12/6</a:t>
             </a:fld>
             <a:endParaRPr kumimoji="1" lang="zh-CN" altLang="en-US"/>
           </a:p>
@@ -786,7 +786,7 @@
           <a:p>
             <a:fld id="{32A9B06C-3D16-3548-AD73-D0AF40B87763}" type="datetimeFigureOut">
               <a:rPr kumimoji="1" lang="zh-CN" altLang="en-US" smtClean="0"/>
-              <a:t>2018/12/5</a:t>
+              <a:t>2018/12/6</a:t>
             </a:fld>
             <a:endParaRPr kumimoji="1" lang="zh-CN" altLang="en-US"/>
           </a:p>
@@ -6517,6 +6517,7 @@
           <a:prstGeom prst="rect">
             <a:avLst/>
           </a:prstGeom>
+          <a:noFill/>
         </p:spPr>
         <p:txBody>
           <a:bodyPr wrap="square">
@@ -6660,6 +6661,7 @@
           <a:prstGeom prst="rect">
             <a:avLst/>
           </a:prstGeom>
+          <a:noFill/>
         </p:spPr>
         <p:txBody>
           <a:bodyPr wrap="square">
@@ -6822,6 +6824,7 @@
           <a:prstGeom prst="rect">
             <a:avLst/>
           </a:prstGeom>
+          <a:noFill/>
         </p:spPr>
         <p:txBody>
           <a:bodyPr wrap="square">
@@ -7533,7 +7536,6 @@
               <a:rPr lang="zh-CN" altLang="en-US" sz="1200" dirty="0"/>
               <a:t>。</a:t>
             </a:r>
-            <a:endParaRPr lang="zh-CN" altLang="en-US" sz="1200" dirty="0"/>
           </a:p>
         </p:txBody>
       </p:sp>
@@ -7822,15 +7824,7 @@
           <a:p>
             <a:r>
               <a:rPr lang="zh-CN" altLang="en-US" dirty="0" smtClean="0"/>
-              <a:t>区块链</a:t>
-            </a:r>
-            <a:r>
-              <a:rPr lang="zh-CN" altLang="en-US" dirty="0" smtClean="0"/>
-              <a:t>将颠覆的银行银业务</a:t>
-            </a:r>
-            <a:r>
-              <a:rPr lang="zh-CN" altLang="en-US" dirty="0" smtClean="0"/>
-              <a:t>预测</a:t>
+              <a:t>区块链将颠覆的银行银业务预测</a:t>
             </a:r>
             <a:endParaRPr lang="en-US" dirty="0"/>
           </a:p>
@@ -9818,11 +9812,7 @@
           <a:p>
             <a:r>
               <a:rPr lang="zh-CN" altLang="en-US" dirty="0" smtClean="0"/>
-              <a:t>区块链关键</a:t>
-            </a:r>
-            <a:r>
-              <a:rPr lang="zh-CN" altLang="en-US" dirty="0" smtClean="0"/>
-              <a:t>概念</a:t>
+              <a:t>区块链关键概念</a:t>
             </a:r>
             <a:r>
               <a:rPr lang="en-US" altLang="zh-CN" dirty="0" smtClean="0"/>
@@ -9855,7 +9845,6 @@
               <a:rPr lang="en-US" dirty="0"/>
               <a:t>  Token  Offering</a:t>
             </a:r>
-            <a:endParaRPr lang="en-US" dirty="0"/>
           </a:p>
         </p:txBody>
       </p:sp>
@@ -9864,7 +9853,7 @@
           <p:cNvPr id="9" name="矩形 8">
             <a:extLst>
               <a:ext uri="{FF2B5EF4-FFF2-40B4-BE49-F238E27FC236}">
-                <a16:creationId xmlns:a16="http://schemas.microsoft.com/office/drawing/2014/main" xmlns="" id="{3806841D-CE77-4ED8-9035-EF6F59C2DDD8}"/>
+                <a16:creationId xmlns="" xmlns:a16="http://schemas.microsoft.com/office/drawing/2014/main" id="{3806841D-CE77-4ED8-9035-EF6F59C2DDD8}"/>
               </a:ext>
             </a:extLst>
           </p:cNvPr>
@@ -9920,7 +9909,7 @@
           <p:cNvPr id="14" name="矩形 13">
             <a:extLst>
               <a:ext uri="{FF2B5EF4-FFF2-40B4-BE49-F238E27FC236}">
-                <a16:creationId xmlns:a16="http://schemas.microsoft.com/office/drawing/2014/main" xmlns="" id="{8349E7FC-95E3-432E-8391-489ECD4B33B3}"/>
+                <a16:creationId xmlns="" xmlns:a16="http://schemas.microsoft.com/office/drawing/2014/main" id="{8349E7FC-95E3-432E-8391-489ECD4B33B3}"/>
               </a:ext>
             </a:extLst>
           </p:cNvPr>
@@ -9976,7 +9965,7 @@
           <p:cNvPr id="15" name="矩形 14">
             <a:extLst>
               <a:ext uri="{FF2B5EF4-FFF2-40B4-BE49-F238E27FC236}">
-                <a16:creationId xmlns:a16="http://schemas.microsoft.com/office/drawing/2014/main" xmlns="" id="{68334CBF-0DE6-48C6-B260-ED4F2F79BD48}"/>
+                <a16:creationId xmlns="" xmlns:a16="http://schemas.microsoft.com/office/drawing/2014/main" id="{68334CBF-0DE6-48C6-B260-ED4F2F79BD48}"/>
               </a:ext>
             </a:extLst>
           </p:cNvPr>
@@ -10046,7 +10035,7 @@
             <p:cNvPr id="11" name="文本框 20">
               <a:extLst>
                 <a:ext uri="{FF2B5EF4-FFF2-40B4-BE49-F238E27FC236}">
-                  <a16:creationId xmlns:a16="http://schemas.microsoft.com/office/drawing/2014/main" xmlns="" id="{B4F46595-DAB8-4D4C-9DDE-8AC61B712AB8}"/>
+                  <a16:creationId xmlns="" xmlns:a16="http://schemas.microsoft.com/office/drawing/2014/main" id="{B4F46595-DAB8-4D4C-9DDE-8AC61B712AB8}"/>
                 </a:ext>
               </a:extLst>
             </p:cNvPr>
@@ -10106,7 +10095,7 @@
             <p:cNvPr id="17" name="立方体 16">
               <a:extLst>
                 <a:ext uri="{FF2B5EF4-FFF2-40B4-BE49-F238E27FC236}">
-                  <a16:creationId xmlns:a16="http://schemas.microsoft.com/office/drawing/2014/main" xmlns="" id="{5006A711-FEDE-413E-A156-86A1C3C46CCE}"/>
+                  <a16:creationId xmlns="" xmlns:a16="http://schemas.microsoft.com/office/drawing/2014/main" id="{5006A711-FEDE-413E-A156-86A1C3C46CCE}"/>
                 </a:ext>
               </a:extLst>
             </p:cNvPr>
@@ -10161,7 +10150,7 @@
             <p:cNvPr id="21" name="图片 20" descr="股票">
               <a:extLst>
                 <a:ext uri="{FF2B5EF4-FFF2-40B4-BE49-F238E27FC236}">
-                  <a16:creationId xmlns:a16="http://schemas.microsoft.com/office/drawing/2014/main" xmlns="" id="{93F0688B-D474-4E29-B57B-D4172A890EFA}"/>
+                  <a16:creationId xmlns="" xmlns:a16="http://schemas.microsoft.com/office/drawing/2014/main" id="{93F0688B-D474-4E29-B57B-D4172A890EFA}"/>
                 </a:ext>
               </a:extLst>
             </p:cNvPr>
@@ -10206,7 +10195,7 @@
             <p:cNvPr id="12" name="文本框 21">
               <a:extLst>
                 <a:ext uri="{FF2B5EF4-FFF2-40B4-BE49-F238E27FC236}">
-                  <a16:creationId xmlns:a16="http://schemas.microsoft.com/office/drawing/2014/main" xmlns="" id="{FB4AA6FA-93E0-44E2-BD26-6CCBAEC50AA5}"/>
+                  <a16:creationId xmlns="" xmlns:a16="http://schemas.microsoft.com/office/drawing/2014/main" id="{FB4AA6FA-93E0-44E2-BD26-6CCBAEC50AA5}"/>
                 </a:ext>
               </a:extLst>
             </p:cNvPr>
@@ -10266,7 +10255,7 @@
             <p:cNvPr id="18" name="立方体 17">
               <a:extLst>
                 <a:ext uri="{FF2B5EF4-FFF2-40B4-BE49-F238E27FC236}">
-                  <a16:creationId xmlns:a16="http://schemas.microsoft.com/office/drawing/2014/main" xmlns="" id="{D25DFF3F-03C2-409E-8E8F-27D6A3179749}"/>
+                  <a16:creationId xmlns="" xmlns:a16="http://schemas.microsoft.com/office/drawing/2014/main" id="{D25DFF3F-03C2-409E-8E8F-27D6A3179749}"/>
                 </a:ext>
               </a:extLst>
             </p:cNvPr>
@@ -10321,7 +10310,7 @@
             <p:cNvPr id="22" name="图片 21" descr="房地产">
               <a:extLst>
                 <a:ext uri="{FF2B5EF4-FFF2-40B4-BE49-F238E27FC236}">
-                  <a16:creationId xmlns:a16="http://schemas.microsoft.com/office/drawing/2014/main" xmlns="" id="{4D01A22D-6FFE-42DC-BAAB-334B4DFBB256}"/>
+                  <a16:creationId xmlns="" xmlns:a16="http://schemas.microsoft.com/office/drawing/2014/main" id="{4D01A22D-6FFE-42DC-BAAB-334B4DFBB256}"/>
                 </a:ext>
               </a:extLst>
             </p:cNvPr>
@@ -10366,7 +10355,7 @@
             <p:cNvPr id="13" name="文本框 22">
               <a:extLst>
                 <a:ext uri="{FF2B5EF4-FFF2-40B4-BE49-F238E27FC236}">
-                  <a16:creationId xmlns:a16="http://schemas.microsoft.com/office/drawing/2014/main" xmlns="" id="{A912B8F2-105A-4B85-B611-3662953FD8A2}"/>
+                  <a16:creationId xmlns="" xmlns:a16="http://schemas.microsoft.com/office/drawing/2014/main" id="{A912B8F2-105A-4B85-B611-3662953FD8A2}"/>
                 </a:ext>
               </a:extLst>
             </p:cNvPr>
@@ -10426,7 +10415,7 @@
             <p:cNvPr id="19" name="立方体 18">
               <a:extLst>
                 <a:ext uri="{FF2B5EF4-FFF2-40B4-BE49-F238E27FC236}">
-                  <a16:creationId xmlns:a16="http://schemas.microsoft.com/office/drawing/2014/main" xmlns="" id="{B89F2818-F338-4BA1-8037-16AE057773E7}"/>
+                  <a16:creationId xmlns="" xmlns:a16="http://schemas.microsoft.com/office/drawing/2014/main" id="{B89F2818-F338-4BA1-8037-16AE057773E7}"/>
                 </a:ext>
               </a:extLst>
             </p:cNvPr>
@@ -10481,7 +10470,7 @@
             <p:cNvPr id="23" name="图片 22" descr="石油">
               <a:extLst>
                 <a:ext uri="{FF2B5EF4-FFF2-40B4-BE49-F238E27FC236}">
-                  <a16:creationId xmlns:a16="http://schemas.microsoft.com/office/drawing/2014/main" xmlns="" id="{D0A34FFF-B592-4A84-B2E8-BA7EF205EFE0}"/>
+                  <a16:creationId xmlns="" xmlns:a16="http://schemas.microsoft.com/office/drawing/2014/main" id="{D0A34FFF-B592-4A84-B2E8-BA7EF205EFE0}"/>
                 </a:ext>
               </a:extLst>
             </p:cNvPr>
@@ -10526,7 +10515,7 @@
             <p:cNvPr id="16" name="文本框 25">
               <a:extLst>
                 <a:ext uri="{FF2B5EF4-FFF2-40B4-BE49-F238E27FC236}">
-                  <a16:creationId xmlns:a16="http://schemas.microsoft.com/office/drawing/2014/main" xmlns="" id="{E33C5F22-DD64-43AD-B9BF-1A69374176C5}"/>
+                  <a16:creationId xmlns="" xmlns:a16="http://schemas.microsoft.com/office/drawing/2014/main" id="{E33C5F22-DD64-43AD-B9BF-1A69374176C5}"/>
                 </a:ext>
               </a:extLst>
             </p:cNvPr>
@@ -10579,7 +10568,7 @@
             <p:cNvPr id="20" name="立方体 19">
               <a:extLst>
                 <a:ext uri="{FF2B5EF4-FFF2-40B4-BE49-F238E27FC236}">
-                  <a16:creationId xmlns:a16="http://schemas.microsoft.com/office/drawing/2014/main" xmlns="" id="{EA7F0D7D-20B5-4FEA-BE33-772718D6E2A2}"/>
+                  <a16:creationId xmlns="" xmlns:a16="http://schemas.microsoft.com/office/drawing/2014/main" id="{EA7F0D7D-20B5-4FEA-BE33-772718D6E2A2}"/>
                 </a:ext>
               </a:extLst>
             </p:cNvPr>
@@ -10634,7 +10623,7 @@
             <p:cNvPr id="24" name="图片 23" descr="债券">
               <a:extLst>
                 <a:ext uri="{FF2B5EF4-FFF2-40B4-BE49-F238E27FC236}">
-                  <a16:creationId xmlns:a16="http://schemas.microsoft.com/office/drawing/2014/main" xmlns="" id="{33766EE7-1B0E-44B5-BDCB-011A155FA5D1}"/>
+                  <a16:creationId xmlns="" xmlns:a16="http://schemas.microsoft.com/office/drawing/2014/main" id="{33766EE7-1B0E-44B5-BDCB-011A155FA5D1}"/>
                 </a:ext>
               </a:extLst>
             </p:cNvPr>
@@ -16088,7 +16077,7 @@
             <a:effectLst/>
             <a:extLst>
               <a:ext uri="{C572A759-6A51-4108-AA02-DFA0A04FC94B}">
-                <ma14:wrappingTextBoxFlag xmlns:ma14="http://schemas.microsoft.com/office/mac/drawingml/2011/main" xmlns="" val="1"/>
+                <ma14:wrappingTextBoxFlag xmlns="" xmlns:ma14="http://schemas.microsoft.com/office/mac/drawingml/2011/main" val="1"/>
               </a:ext>
             </a:extLst>
           </p:spPr>
@@ -16258,7 +16247,7 @@
             <a:effectLst/>
             <a:extLst>
               <a:ext uri="{C572A759-6A51-4108-AA02-DFA0A04FC94B}">
-                <ma14:wrappingTextBoxFlag xmlns:ma14="http://schemas.microsoft.com/office/mac/drawingml/2011/main" xmlns="" val="1"/>
+                <ma14:wrappingTextBoxFlag xmlns="" xmlns:ma14="http://schemas.microsoft.com/office/mac/drawingml/2011/main" val="1"/>
               </a:ext>
             </a:extLst>
           </p:spPr>
@@ -16430,7 +16419,7 @@
             <a:effectLst/>
             <a:extLst>
               <a:ext uri="{C572A759-6A51-4108-AA02-DFA0A04FC94B}">
-                <ma14:wrappingTextBoxFlag xmlns:ma14="http://schemas.microsoft.com/office/mac/drawingml/2011/main" xmlns="" val="1"/>
+                <ma14:wrappingTextBoxFlag xmlns="" xmlns:ma14="http://schemas.microsoft.com/office/mac/drawingml/2011/main" val="1"/>
               </a:ext>
             </a:extLst>
           </p:spPr>
@@ -16602,7 +16591,7 @@
             <a:effectLst/>
             <a:extLst>
               <a:ext uri="{C572A759-6A51-4108-AA02-DFA0A04FC94B}">
-                <ma14:wrappingTextBoxFlag xmlns:ma14="http://schemas.microsoft.com/office/mac/drawingml/2011/main" xmlns="" val="1"/>
+                <ma14:wrappingTextBoxFlag xmlns="" xmlns:ma14="http://schemas.microsoft.com/office/mac/drawingml/2011/main" val="1"/>
               </a:ext>
             </a:extLst>
           </p:spPr>
@@ -16783,7 +16772,7 @@
             <a:effectLst/>
             <a:extLst>
               <a:ext uri="{C572A759-6A51-4108-AA02-DFA0A04FC94B}">
-                <ma14:wrappingTextBoxFlag xmlns:ma14="http://schemas.microsoft.com/office/mac/drawingml/2011/main" xmlns="" val="1"/>
+                <ma14:wrappingTextBoxFlag xmlns="" xmlns:ma14="http://schemas.microsoft.com/office/mac/drawingml/2011/main" val="1"/>
               </a:ext>
             </a:extLst>
           </p:spPr>
@@ -16955,7 +16944,7 @@
             <a:effectLst/>
             <a:extLst>
               <a:ext uri="{C572A759-6A51-4108-AA02-DFA0A04FC94B}">
-                <ma14:wrappingTextBoxFlag xmlns:ma14="http://schemas.microsoft.com/office/mac/drawingml/2011/main" xmlns="" val="1"/>
+                <ma14:wrappingTextBoxFlag xmlns="" xmlns:ma14="http://schemas.microsoft.com/office/mac/drawingml/2011/main" val="1"/>
               </a:ext>
             </a:extLst>
           </p:spPr>
@@ -17135,7 +17124,7 @@
             <a:effectLst/>
             <a:extLst>
               <a:ext uri="{C572A759-6A51-4108-AA02-DFA0A04FC94B}">
-                <ma14:wrappingTextBoxFlag xmlns:ma14="http://schemas.microsoft.com/office/mac/drawingml/2011/main" xmlns="" val="1"/>
+                <ma14:wrappingTextBoxFlag xmlns="" xmlns:ma14="http://schemas.microsoft.com/office/mac/drawingml/2011/main" val="1"/>
               </a:ext>
             </a:extLst>
           </p:spPr>
@@ -17307,7 +17296,7 @@
             <a:effectLst/>
             <a:extLst>
               <a:ext uri="{C572A759-6A51-4108-AA02-DFA0A04FC94B}">
-                <ma14:wrappingTextBoxFlag xmlns:ma14="http://schemas.microsoft.com/office/mac/drawingml/2011/main" xmlns="" val="1"/>
+                <ma14:wrappingTextBoxFlag xmlns="" xmlns:ma14="http://schemas.microsoft.com/office/mac/drawingml/2011/main" val="1"/>
               </a:ext>
             </a:extLst>
           </p:spPr>
@@ -17479,7 +17468,7 @@
             <a:effectLst/>
             <a:extLst>
               <a:ext uri="{C572A759-6A51-4108-AA02-DFA0A04FC94B}">
-                <ma14:wrappingTextBoxFlag xmlns:ma14="http://schemas.microsoft.com/office/mac/drawingml/2011/main" xmlns="" val="1"/>
+                <ma14:wrappingTextBoxFlag xmlns="" xmlns:ma14="http://schemas.microsoft.com/office/mac/drawingml/2011/main" val="1"/>
               </a:ext>
             </a:extLst>
           </p:spPr>
@@ -17651,7 +17640,7 @@
             <a:effectLst/>
             <a:extLst>
               <a:ext uri="{C572A759-6A51-4108-AA02-DFA0A04FC94B}">
-                <ma14:wrappingTextBoxFlag xmlns:ma14="http://schemas.microsoft.com/office/mac/drawingml/2011/main" xmlns="" val="1"/>
+                <ma14:wrappingTextBoxFlag xmlns="" xmlns:ma14="http://schemas.microsoft.com/office/mac/drawingml/2011/main" val="1"/>
               </a:ext>
             </a:extLst>
           </p:spPr>
@@ -17823,7 +17812,7 @@
             <a:effectLst/>
             <a:extLst>
               <a:ext uri="{C572A759-6A51-4108-AA02-DFA0A04FC94B}">
-                <ma14:wrappingTextBoxFlag xmlns:ma14="http://schemas.microsoft.com/office/mac/drawingml/2011/main" xmlns="" val="1"/>
+                <ma14:wrappingTextBoxFlag xmlns="" xmlns:ma14="http://schemas.microsoft.com/office/mac/drawingml/2011/main" val="1"/>
               </a:ext>
             </a:extLst>
           </p:spPr>
@@ -17995,7 +17984,7 @@
             <a:effectLst/>
             <a:extLst>
               <a:ext uri="{C572A759-6A51-4108-AA02-DFA0A04FC94B}">
-                <ma14:wrappingTextBoxFlag xmlns:ma14="http://schemas.microsoft.com/office/mac/drawingml/2011/main" xmlns="" val="1"/>
+                <ma14:wrappingTextBoxFlag xmlns="" xmlns:ma14="http://schemas.microsoft.com/office/mac/drawingml/2011/main" val="1"/>
               </a:ext>
             </a:extLst>
           </p:spPr>
@@ -18127,7 +18116,7 @@
             <a:effectLst/>
             <a:extLst>
               <a:ext uri="{C572A759-6A51-4108-AA02-DFA0A04FC94B}">
-                <ma14:wrappingTextBoxFlag xmlns:ma14="http://schemas.microsoft.com/office/mac/drawingml/2011/main" xmlns="" val="1"/>
+                <ma14:wrappingTextBoxFlag xmlns="" xmlns:ma14="http://schemas.microsoft.com/office/mac/drawingml/2011/main" val="1"/>
               </a:ext>
             </a:extLst>
           </p:spPr>
@@ -18299,7 +18288,7 @@
             <a:effectLst/>
             <a:extLst>
               <a:ext uri="{C572A759-6A51-4108-AA02-DFA0A04FC94B}">
-                <ma14:wrappingTextBoxFlag xmlns:ma14="http://schemas.microsoft.com/office/mac/drawingml/2011/main" xmlns="" val="1"/>
+                <ma14:wrappingTextBoxFlag xmlns="" xmlns:ma14="http://schemas.microsoft.com/office/mac/drawingml/2011/main" val="1"/>
               </a:ext>
             </a:extLst>
           </p:spPr>
@@ -18471,7 +18460,7 @@
             <a:effectLst/>
             <a:extLst>
               <a:ext uri="{C572A759-6A51-4108-AA02-DFA0A04FC94B}">
-                <ma14:wrappingTextBoxFlag xmlns:ma14="http://schemas.microsoft.com/office/mac/drawingml/2011/main" xmlns="" val="1"/>
+                <ma14:wrappingTextBoxFlag xmlns="" xmlns:ma14="http://schemas.microsoft.com/office/mac/drawingml/2011/main" val="1"/>
               </a:ext>
             </a:extLst>
           </p:spPr>
@@ -18652,7 +18641,7 @@
             <a:effectLst/>
             <a:extLst>
               <a:ext uri="{C572A759-6A51-4108-AA02-DFA0A04FC94B}">
-                <ma14:wrappingTextBoxFlag xmlns:ma14="http://schemas.microsoft.com/office/mac/drawingml/2011/main" xmlns="" val="1"/>
+                <ma14:wrappingTextBoxFlag xmlns="" xmlns:ma14="http://schemas.microsoft.com/office/mac/drawingml/2011/main" val="1"/>
               </a:ext>
             </a:extLst>
           </p:spPr>
@@ -18824,7 +18813,7 @@
             <a:effectLst/>
             <a:extLst>
               <a:ext uri="{C572A759-6A51-4108-AA02-DFA0A04FC94B}">
-                <ma14:wrappingTextBoxFlag xmlns:ma14="http://schemas.microsoft.com/office/mac/drawingml/2011/main" xmlns="" val="1"/>
+                <ma14:wrappingTextBoxFlag xmlns="" xmlns:ma14="http://schemas.microsoft.com/office/mac/drawingml/2011/main" val="1"/>
               </a:ext>
             </a:extLst>
           </p:spPr>
@@ -18996,7 +18985,7 @@
             <a:effectLst/>
             <a:extLst>
               <a:ext uri="{C572A759-6A51-4108-AA02-DFA0A04FC94B}">
-                <ma14:wrappingTextBoxFlag xmlns:ma14="http://schemas.microsoft.com/office/mac/drawingml/2011/main" xmlns="" val="1"/>
+                <ma14:wrappingTextBoxFlag xmlns="" xmlns:ma14="http://schemas.microsoft.com/office/mac/drawingml/2011/main" val="1"/>
               </a:ext>
             </a:extLst>
           </p:spPr>
@@ -19168,7 +19157,7 @@
             <a:effectLst/>
             <a:extLst>
               <a:ext uri="{C572A759-6A51-4108-AA02-DFA0A04FC94B}">
-                <ma14:wrappingTextBoxFlag xmlns:ma14="http://schemas.microsoft.com/office/mac/drawingml/2011/main" xmlns="" val="1"/>
+                <ma14:wrappingTextBoxFlag xmlns="" xmlns:ma14="http://schemas.microsoft.com/office/mac/drawingml/2011/main" val="1"/>
               </a:ext>
             </a:extLst>
           </p:spPr>
@@ -19285,7 +19274,7 @@
           <a:effectLst/>
           <a:extLst>
             <a:ext uri="{C572A759-6A51-4108-AA02-DFA0A04FC94B}">
-              <ma14:wrappingTextBoxFlag xmlns:ma14="http://schemas.microsoft.com/office/mac/drawingml/2011/main" xmlns="" val="1"/>
+              <ma14:wrappingTextBoxFlag xmlns="" xmlns:ma14="http://schemas.microsoft.com/office/mac/drawingml/2011/main" val="1"/>
             </a:ext>
           </a:extLst>
         </p:spPr>
@@ -19415,7 +19404,7 @@
             <a:effectLst/>
             <a:extLst>
               <a:ext uri="{C572A759-6A51-4108-AA02-DFA0A04FC94B}">
-                <ma14:wrappingTextBoxFlag xmlns:ma14="http://schemas.microsoft.com/office/mac/drawingml/2011/main" xmlns="" val="1"/>
+                <ma14:wrappingTextBoxFlag xmlns="" xmlns:ma14="http://schemas.microsoft.com/office/mac/drawingml/2011/main" val="1"/>
               </a:ext>
             </a:extLst>
           </p:spPr>
@@ -19499,7 +19488,7 @@
           </a:effectLst>
           <a:extLst>
             <a:ext uri="{C572A759-6A51-4108-AA02-DFA0A04FC94B}">
-              <ma14:wrappingTextBoxFlag xmlns:ma14="http://schemas.microsoft.com/office/mac/drawingml/2011/main" xmlns="" val="1"/>
+              <ma14:wrappingTextBoxFlag xmlns="" xmlns:ma14="http://schemas.microsoft.com/office/mac/drawingml/2011/main" val="1"/>
             </a:ext>
           </a:extLst>
         </p:spPr>
@@ -19558,7 +19547,7 @@
           </a:effectLst>
           <a:extLst>
             <a:ext uri="{C572A759-6A51-4108-AA02-DFA0A04FC94B}">
-              <ma14:wrappingTextBoxFlag xmlns:ma14="http://schemas.microsoft.com/office/mac/drawingml/2011/main" xmlns="" val="1"/>
+              <ma14:wrappingTextBoxFlag xmlns="" xmlns:ma14="http://schemas.microsoft.com/office/mac/drawingml/2011/main" val="1"/>
             </a:ext>
           </a:extLst>
         </p:spPr>
@@ -19617,7 +19606,7 @@
           </a:effectLst>
           <a:extLst>
             <a:ext uri="{C572A759-6A51-4108-AA02-DFA0A04FC94B}">
-              <ma14:wrappingTextBoxFlag xmlns:ma14="http://schemas.microsoft.com/office/mac/drawingml/2011/main" xmlns="" val="1"/>
+              <ma14:wrappingTextBoxFlag xmlns="" xmlns:ma14="http://schemas.microsoft.com/office/mac/drawingml/2011/main" val="1"/>
             </a:ext>
           </a:extLst>
         </p:spPr>
@@ -19676,7 +19665,7 @@
           </a:effectLst>
           <a:extLst>
             <a:ext uri="{C572A759-6A51-4108-AA02-DFA0A04FC94B}">
-              <ma14:wrappingTextBoxFlag xmlns:ma14="http://schemas.microsoft.com/office/mac/drawingml/2011/main" xmlns="" val="1"/>
+              <ma14:wrappingTextBoxFlag xmlns="" xmlns:ma14="http://schemas.microsoft.com/office/mac/drawingml/2011/main" val="1"/>
             </a:ext>
           </a:extLst>
         </p:spPr>
@@ -19745,7 +19734,7 @@
           </a:effectLst>
           <a:extLst>
             <a:ext uri="{C572A759-6A51-4108-AA02-DFA0A04FC94B}">
-              <ma14:wrappingTextBoxFlag xmlns:ma14="http://schemas.microsoft.com/office/mac/drawingml/2011/main" xmlns="" val="1"/>
+              <ma14:wrappingTextBoxFlag xmlns="" xmlns:ma14="http://schemas.microsoft.com/office/mac/drawingml/2011/main" val="1"/>
             </a:ext>
           </a:extLst>
         </p:spPr>
@@ -19796,7 +19785,7 @@
           </a:effectLst>
           <a:extLst>
             <a:ext uri="{C572A759-6A51-4108-AA02-DFA0A04FC94B}">
-              <ma14:wrappingTextBoxFlag xmlns:ma14="http://schemas.microsoft.com/office/mac/drawingml/2011/main" xmlns="" val="1"/>
+              <ma14:wrappingTextBoxFlag xmlns="" xmlns:ma14="http://schemas.microsoft.com/office/mac/drawingml/2011/main" val="1"/>
             </a:ext>
           </a:extLst>
         </p:spPr>
@@ -19854,7 +19843,7 @@
           </a:effectLst>
           <a:extLst>
             <a:ext uri="{C572A759-6A51-4108-AA02-DFA0A04FC94B}">
-              <ma14:wrappingTextBoxFlag xmlns:ma14="http://schemas.microsoft.com/office/mac/drawingml/2011/main" xmlns="" val="1"/>
+              <ma14:wrappingTextBoxFlag xmlns="" xmlns:ma14="http://schemas.microsoft.com/office/mac/drawingml/2011/main" val="1"/>
             </a:ext>
           </a:extLst>
         </p:spPr>
@@ -19932,7 +19921,7 @@
           </a:effectLst>
           <a:extLst>
             <a:ext uri="{C572A759-6A51-4108-AA02-DFA0A04FC94B}">
-              <ma14:wrappingTextBoxFlag xmlns:ma14="http://schemas.microsoft.com/office/mac/drawingml/2011/main" xmlns="" val="1"/>
+              <ma14:wrappingTextBoxFlag xmlns="" xmlns:ma14="http://schemas.microsoft.com/office/mac/drawingml/2011/main" val="1"/>
             </a:ext>
           </a:extLst>
         </p:spPr>
@@ -20077,11 +20066,7 @@
           <a:p>
             <a:r>
               <a:rPr lang="zh-CN" altLang="en-US" dirty="0" smtClean="0"/>
-              <a:t>阿曼的经济和</a:t>
-            </a:r>
-            <a:r>
-              <a:rPr lang="zh-CN" altLang="en-US" dirty="0" smtClean="0"/>
-              <a:t>金融现状</a:t>
+              <a:t>阿曼的经济和金融现状</a:t>
             </a:r>
             <a:endParaRPr lang="en-US" dirty="0"/>
           </a:p>
@@ -20161,11 +20146,7 @@
             </a:pPr>
             <a:r>
               <a:rPr lang="zh-CN" altLang="en-US" dirty="0" smtClean="0"/>
-              <a:t>油价</a:t>
-            </a:r>
-            <a:r>
-              <a:rPr lang="zh-CN" altLang="en-US" dirty="0" smtClean="0"/>
-              <a:t>波动</a:t>
+              <a:t>油价波动</a:t>
             </a:r>
             <a:r>
               <a:rPr lang="zh-CN" altLang="en-US" dirty="0"/>
@@ -20173,11 +20154,7 @@
             </a:r>
             <a:r>
               <a:rPr lang="zh-CN" altLang="en-US" dirty="0" smtClean="0"/>
-              <a:t>金融</a:t>
-            </a:r>
-            <a:r>
-              <a:rPr lang="zh-CN" altLang="en-US" dirty="0" smtClean="0"/>
-              <a:t>体系受损</a:t>
+              <a:t>金融体系受损</a:t>
             </a:r>
             <a:endParaRPr lang="en-US" dirty="0"/>
           </a:p>
@@ -20192,11 +20169,7 @@
             </a:pPr>
             <a:r>
               <a:rPr lang="zh-CN" altLang="en-US" dirty="0" smtClean="0"/>
-              <a:t>油价长期</a:t>
-            </a:r>
-            <a:r>
-              <a:rPr lang="zh-CN" altLang="en-US" dirty="0" smtClean="0"/>
-              <a:t>下跌</a:t>
+              <a:t>油价长期下跌</a:t>
             </a:r>
             <a:r>
               <a:rPr lang="zh-CN" altLang="en-US" dirty="0"/>
@@ -20204,11 +20177,7 @@
             </a:r>
             <a:r>
               <a:rPr lang="zh-CN" altLang="en-US" dirty="0" smtClean="0"/>
-              <a:t>盈利</a:t>
-            </a:r>
-            <a:r>
-              <a:rPr lang="zh-CN" altLang="en-US" dirty="0" smtClean="0"/>
-              <a:t>能力下降</a:t>
+              <a:t>盈利能力下降</a:t>
             </a:r>
             <a:endParaRPr lang="en-US" dirty="0"/>
           </a:p>
@@ -20246,11 +20215,7 @@
             </a:r>
             <a:r>
               <a:rPr lang="en-US" altLang="zh-CN" dirty="0" smtClean="0"/>
-              <a:t>17.8</a:t>
-            </a:r>
-            <a:r>
-              <a:rPr lang="en-US" altLang="zh-CN" dirty="0" smtClean="0"/>
-              <a:t>%</a:t>
+              <a:t>17.8%</a:t>
             </a:r>
           </a:p>
           <a:p>
@@ -20339,11 +20304,7 @@
             </a:pPr>
             <a:r>
               <a:rPr lang="zh-CN" altLang="en-US" dirty="0" smtClean="0"/>
-              <a:t>资本市场不发达，融资单一</a:t>
-            </a:r>
-            <a:r>
-              <a:rPr lang="zh-CN" altLang="en-US" dirty="0" smtClean="0"/>
-              <a:t>且低效</a:t>
+              <a:t>资本市场不发达，融资单一且低效</a:t>
             </a:r>
             <a:endParaRPr lang="en-US" altLang="zh-CN" dirty="0" smtClean="0"/>
           </a:p>
@@ -20952,7 +20913,7 @@
   <a:extraClrSchemeLst/>
   <a:extLst>
     <a:ext uri="{05A4C25C-085E-4340-85A3-A5531E510DB2}">
-      <thm15:themeFamily xmlns="" xmlns:thm15="http://schemas.microsoft.com/office/thememl/2012/main" name="Office Theme" id="{62F939B6-93AF-4DB8-9C6B-D6C7DFDC589F}" vid="{4A3C46E8-61CC-4603-A589-7422A47A8E4A}"/>
+      <thm15:themeFamily xmlns:thm15="http://schemas.microsoft.com/office/thememl/2012/main" xmlns="" name="Office Theme" id="{62F939B6-93AF-4DB8-9C6B-D6C7DFDC589F}" vid="{4A3C46E8-61CC-4603-A589-7422A47A8E4A}"/>
     </a:ext>
   </a:extLst>
 </a:theme>
@@ -21213,7 +21174,7 @@
   <a:extraClrSchemeLst/>
   <a:extLst>
     <a:ext uri="{05A4C25C-085E-4340-85A3-A5531E510DB2}">
-      <thm15:themeFamily xmlns="" xmlns:thm15="http://schemas.microsoft.com/office/thememl/2012/main" name="Office Theme" id="{62F939B6-93AF-4DB8-9C6B-D6C7DFDC589F}" vid="{4A3C46E8-61CC-4603-A589-7422A47A8E4A}"/>
+      <thm15:themeFamily xmlns:thm15="http://schemas.microsoft.com/office/thememl/2012/main" xmlns="" name="Office Theme" id="{62F939B6-93AF-4DB8-9C6B-D6C7DFDC589F}" vid="{4A3C46E8-61CC-4603-A589-7422A47A8E4A}"/>
     </a:ext>
   </a:extLst>
 </a:theme>
@@ -21474,7 +21435,7 @@
   <a:extraClrSchemeLst/>
   <a:extLst>
     <a:ext uri="{05A4C25C-085E-4340-85A3-A5531E510DB2}">
-      <thm15:themeFamily xmlns="" xmlns:thm15="http://schemas.microsoft.com/office/thememl/2012/main" name="Office Theme" id="{62F939B6-93AF-4DB8-9C6B-D6C7DFDC589F}" vid="{4A3C46E8-61CC-4603-A589-7422A47A8E4A}"/>
+      <thm15:themeFamily xmlns:thm15="http://schemas.microsoft.com/office/thememl/2012/main" xmlns="" name="Office Theme" id="{62F939B6-93AF-4DB8-9C6B-D6C7DFDC589F}" vid="{4A3C46E8-61CC-4603-A589-7422A47A8E4A}"/>
     </a:ext>
   </a:extLst>
 </a:theme>

--- a/A阿曼/proposal for Oman.pptx
+++ b/A阿曼/proposal for Oman.pptx
@@ -5137,6 +5137,13 @@
   <p:clrMapOvr>
     <a:masterClrMapping/>
   </p:clrMapOvr>
+  <p:timing>
+    <p:tnLst>
+      <p:par>
+        <p:cTn id="1" dur="indefinite" restart="never" nodeType="tmRoot"/>
+      </p:par>
+    </p:tnLst>
+  </p:timing>
 </p:sld>
 </file>
 
@@ -8319,17 +8326,7 @@
                 <a:latin typeface="微软雅黑" pitchFamily="34" charset="-122"/>
                 <a:ea typeface="微软雅黑" pitchFamily="34" charset="-122"/>
               </a:rPr>
-              <a:t>：</a:t>
-            </a:r>
-            <a:r>
-              <a:rPr lang="zh-CN" altLang="en-US" sz="1000" dirty="0" smtClean="0">
-                <a:solidFill>
-                  <a:schemeClr val="bg2"/>
-                </a:solidFill>
-                <a:latin typeface="微软雅黑" pitchFamily="34" charset="-122"/>
-                <a:ea typeface="微软雅黑" pitchFamily="34" charset="-122"/>
-              </a:rPr>
-              <a:t>数据库</a:t>
+              <a:t>：数据库</a:t>
             </a:r>
             <a:r>
               <a:rPr lang="zh-CN" altLang="en-US" sz="1000" dirty="0">
@@ -8707,15 +8704,7 @@
                   <a:srgbClr val="272B38"/>
                 </a:solidFill>
               </a:rPr>
-              <a:t>全球和阿曼</a:t>
-            </a:r>
-            <a:r>
-              <a:rPr lang="zh-CN" altLang="en-US" dirty="0" smtClean="0">
-                <a:solidFill>
-                  <a:srgbClr val="272B38"/>
-                </a:solidFill>
-              </a:rPr>
-              <a:t>经济和金融</a:t>
+              <a:t>全球和阿曼经济和金融</a:t>
             </a:r>
             <a:endParaRPr lang="en-US" dirty="0">
               <a:solidFill>
@@ -9221,11 +9210,7 @@
           <a:p>
             <a:r>
               <a:rPr lang="zh-CN" altLang="en-US" dirty="0" smtClean="0"/>
-              <a:t>区</a:t>
-            </a:r>
-            <a:r>
-              <a:rPr lang="zh-CN" altLang="en-US" dirty="0" smtClean="0"/>
-              <a:t>块链全球趋势</a:t>
+              <a:t>区块链全球趋势</a:t>
             </a:r>
             <a:endParaRPr lang="en-US" dirty="0"/>
           </a:p>
@@ -10429,13 +10414,6 @@
                 </a:rPr>
                 <a:t>项目方为行业和终端用户服务</a:t>
               </a:r>
-              <a:endParaRPr lang="zh-CN" altLang="en-US" sz="1000" dirty="0" smtClean="0">
-                <a:solidFill>
-                  <a:schemeClr val="bg2"/>
-                </a:solidFill>
-                <a:latin typeface="微软雅黑" pitchFamily="34" charset="-122"/>
-                <a:ea typeface="微软雅黑" pitchFamily="34" charset="-122"/>
-              </a:endParaRPr>
             </a:p>
           </p:txBody>
         </p:sp>
@@ -10536,13 +10514,6 @@
                 </a:rPr>
                 <a:t>投资</a:t>
               </a:r>
-              <a:endParaRPr lang="zh-CN" altLang="en-US" sz="1000" dirty="0" smtClean="0">
-                <a:solidFill>
-                  <a:schemeClr val="bg2"/>
-                </a:solidFill>
-                <a:latin typeface="微软雅黑" pitchFamily="34" charset="-122"/>
-                <a:ea typeface="微软雅黑" pitchFamily="34" charset="-122"/>
-              </a:endParaRPr>
             </a:p>
           </p:txBody>
         </p:sp>
@@ -10751,13 +10722,6 @@
                 </a:rPr>
                 <a:t>提供系统平台</a:t>
               </a:r>
-              <a:endParaRPr lang="zh-CN" altLang="en-US" sz="1000" dirty="0" smtClean="0">
-                <a:solidFill>
-                  <a:schemeClr val="bg2"/>
-                </a:solidFill>
-                <a:latin typeface="微软雅黑" pitchFamily="34" charset="-122"/>
-                <a:ea typeface="微软雅黑" pitchFamily="34" charset="-122"/>
-              </a:endParaRPr>
             </a:p>
           </p:txBody>
         </p:sp>
@@ -10878,13 +10842,6 @@
                 </a:rPr>
                 <a:t>兑价</a:t>
               </a:r>
-              <a:endParaRPr lang="zh-CN" altLang="en-US" sz="1000" dirty="0" smtClean="0">
-                <a:solidFill>
-                  <a:schemeClr val="bg2"/>
-                </a:solidFill>
-                <a:latin typeface="微软雅黑" pitchFamily="34" charset="-122"/>
-                <a:ea typeface="微软雅黑" pitchFamily="34" charset="-122"/>
-              </a:endParaRPr>
             </a:p>
           </p:txBody>
         </p:sp>
@@ -10954,14 +10911,11 @@
                 <a:solidFill>
                   <a:schemeClr val="bg2"/>
                 </a:solidFill>
+                <a:latin typeface="微软雅黑" pitchFamily="34" charset="-122"/>
+                <a:ea typeface="微软雅黑" pitchFamily="34" charset="-122"/>
               </a:rPr>
               <a:t>存储数字币</a:t>
             </a:r>
-            <a:endParaRPr lang="zh-CN" altLang="en-US" sz="1000" dirty="0" smtClean="0">
-              <a:solidFill>
-                <a:schemeClr val="bg2"/>
-              </a:solidFill>
-            </a:endParaRPr>
           </a:p>
         </p:txBody>
       </p:sp>
@@ -11161,13 +11115,6 @@
               </a:rPr>
               <a:t>为数字货币提供交易场所，提供流动性</a:t>
             </a:r>
-            <a:endParaRPr lang="zh-CN" altLang="en-US" sz="1000" dirty="0" smtClean="0">
-              <a:solidFill>
-                <a:schemeClr val="bg2"/>
-              </a:solidFill>
-              <a:latin typeface="微软雅黑" pitchFamily="34" charset="-122"/>
-              <a:ea typeface="微软雅黑" pitchFamily="34" charset="-122"/>
-            </a:endParaRPr>
           </a:p>
         </p:txBody>
       </p:sp>
@@ -11528,13 +11475,6 @@
                 </a:rPr>
                 <a:t>其它人提供与区块链相关资讯、投资等服务</a:t>
               </a:r>
-              <a:endParaRPr lang="zh-CN" altLang="en-US" sz="1000" dirty="0" smtClean="0">
-                <a:solidFill>
-                  <a:schemeClr val="bg2"/>
-                </a:solidFill>
-                <a:latin typeface="微软雅黑" pitchFamily="34" charset="-122"/>
-                <a:ea typeface="微软雅黑" pitchFamily="34" charset="-122"/>
-              </a:endParaRPr>
             </a:p>
           </p:txBody>
         </p:sp>
@@ -12022,7 +11962,7 @@
             <p:cNvPr id="95" name="Picture 2" descr="å¾ç 3">
               <a:extLst>
                 <a:ext uri="{FF2B5EF4-FFF2-40B4-BE49-F238E27FC236}">
-                  <a16:creationId xmlns:a16="http://schemas.microsoft.com/office/drawing/2014/main" xmlns="" id="{9EB396E8-6665-4274-B947-09E9C8C6AED5}"/>
+                  <a16:creationId xmlns="" xmlns:a16="http://schemas.microsoft.com/office/drawing/2014/main" id="{9EB396E8-6665-4274-B947-09E9C8C6AED5}"/>
                 </a:ext>
               </a:extLst>
             </p:cNvPr>
@@ -12226,15 +12166,7 @@
                   <a:schemeClr val="bg2"/>
                 </a:solidFill>
               </a:rPr>
-              <a:t>交易所</a:t>
-            </a:r>
-            <a:r>
-              <a:rPr lang="zh-CN" altLang="en-US" b="1" dirty="0" smtClean="0">
-                <a:solidFill>
-                  <a:schemeClr val="bg2"/>
-                </a:solidFill>
-              </a:rPr>
-              <a:t>是先阶段的关键</a:t>
+              <a:t>交易所是先阶段的关键</a:t>
             </a:r>
             <a:endParaRPr lang="en-US" altLang="zh-CN" b="1" dirty="0" smtClean="0">
               <a:solidFill>
@@ -13128,13 +13060,6 @@
               </a:rPr>
               <a:t>补充矿机、钱包、支付等设施</a:t>
             </a:r>
-            <a:endParaRPr lang="zh-CN" altLang="en-US" sz="1200" dirty="0" smtClean="0">
-              <a:solidFill>
-                <a:schemeClr val="bg1"/>
-              </a:solidFill>
-              <a:latin typeface="微软雅黑" pitchFamily="34" charset="-122"/>
-              <a:ea typeface="微软雅黑" pitchFamily="34" charset="-122"/>
-            </a:endParaRPr>
           </a:p>
         </p:txBody>
       </p:sp>
@@ -13171,13 +13096,6 @@
               </a:rPr>
               <a:t>完善区块链经济体系让资产自由流动</a:t>
             </a:r>
-            <a:endParaRPr lang="zh-CN" altLang="en-US" sz="1200" dirty="0" smtClean="0">
-              <a:solidFill>
-                <a:schemeClr val="bg1"/>
-              </a:solidFill>
-              <a:latin typeface="微软雅黑" pitchFamily="34" charset="-122"/>
-              <a:ea typeface="微软雅黑" pitchFamily="34" charset="-122"/>
-            </a:endParaRPr>
           </a:p>
         </p:txBody>
       </p:sp>
@@ -13553,7 +13471,6 @@
               <a:rPr lang="en-US" altLang="zh-CN" dirty="0" smtClean="0"/>
               <a:t>51%</a:t>
             </a:r>
-            <a:endParaRPr lang="en-US" altLang="zh-CN" dirty="0" smtClean="0"/>
           </a:p>
           <a:p>
             <a:pPr lvl="1">
@@ -14142,11 +14059,11 @@
   <p:clrMapOvr>
     <a:masterClrMapping/>
   </p:clrMapOvr>
-  <mc:AlternateContent xmlns:mc="http://schemas.openxmlformats.org/markup-compatibility/2006">
-    <mc:Choice xmlns:p14="http://schemas.microsoft.com/office/powerpoint/2010/main" Requires="p14">
+  <mc:AlternateContent xmlns:mc="http://schemas.openxmlformats.org/markup-compatibility/2006" xmlns:p14="http://schemas.microsoft.com/office/powerpoint/2010/main">
+    <mc:Choice Requires="p14">
       <p:transition spd="slow" p14:dur="2000"/>
     </mc:Choice>
-    <mc:Fallback>
+    <mc:Fallback xmlns="">
       <p:transition spd="slow"/>
     </mc:Fallback>
   </mc:AlternateContent>
@@ -14490,11 +14407,11 @@
   <p:clrMapOvr>
     <a:masterClrMapping/>
   </p:clrMapOvr>
-  <mc:AlternateContent xmlns:mc="http://schemas.openxmlformats.org/markup-compatibility/2006">
-    <mc:Choice xmlns:p14="http://schemas.microsoft.com/office/powerpoint/2010/main" Requires="p14">
+  <mc:AlternateContent xmlns:mc="http://schemas.openxmlformats.org/markup-compatibility/2006" xmlns:p14="http://schemas.microsoft.com/office/powerpoint/2010/main">
+    <mc:Choice Requires="p14">
       <p:transition spd="slow" p14:dur="2000"/>
     </mc:Choice>
-    <mc:Fallback>
+    <mc:Fallback xmlns="">
       <p:transition spd="slow"/>
     </mc:Fallback>
   </mc:AlternateContent>
@@ -14658,11 +14575,11 @@
   <p:clrMapOvr>
     <a:masterClrMapping/>
   </p:clrMapOvr>
-  <mc:AlternateContent xmlns:mc="http://schemas.openxmlformats.org/markup-compatibility/2006">
-    <mc:Choice xmlns:p14="http://schemas.microsoft.com/office/powerpoint/2010/main" Requires="p14">
+  <mc:AlternateContent xmlns:mc="http://schemas.openxmlformats.org/markup-compatibility/2006" xmlns:p14="http://schemas.microsoft.com/office/powerpoint/2010/main">
+    <mc:Choice Requires="p14">
       <p:transition spd="slow" p14:dur="2000"/>
     </mc:Choice>
-    <mc:Fallback>
+    <mc:Fallback xmlns="">
       <p:transition spd="slow"/>
     </mc:Fallback>
   </mc:AlternateContent>
@@ -14779,11 +14696,11 @@
   <p:clrMapOvr>
     <a:masterClrMapping/>
   </p:clrMapOvr>
-  <mc:AlternateContent xmlns:mc="http://schemas.openxmlformats.org/markup-compatibility/2006">
-    <mc:Choice xmlns:p14="http://schemas.microsoft.com/office/powerpoint/2010/main" Requires="p14">
+  <mc:AlternateContent xmlns:mc="http://schemas.openxmlformats.org/markup-compatibility/2006" xmlns:p14="http://schemas.microsoft.com/office/powerpoint/2010/main">
+    <mc:Choice Requires="p14">
       <p:transition spd="slow" p14:dur="2000"/>
     </mc:Choice>
-    <mc:Fallback>
+    <mc:Fallback xmlns="">
       <p:transition spd="slow"/>
     </mc:Fallback>
   </mc:AlternateContent>
@@ -14900,14 +14817,21 @@
   <p:clrMapOvr>
     <a:masterClrMapping/>
   </p:clrMapOvr>
-  <mc:AlternateContent xmlns:mc="http://schemas.openxmlformats.org/markup-compatibility/2006">
-    <mc:Choice xmlns:p14="http://schemas.microsoft.com/office/powerpoint/2010/main" Requires="p14">
+  <mc:AlternateContent xmlns:mc="http://schemas.openxmlformats.org/markup-compatibility/2006" xmlns:p14="http://schemas.microsoft.com/office/powerpoint/2010/main">
+    <mc:Choice Requires="p14">
       <p:transition spd="slow" p14:dur="2000"/>
     </mc:Choice>
-    <mc:Fallback>
+    <mc:Fallback xmlns="">
       <p:transition spd="slow"/>
     </mc:Fallback>
   </mc:AlternateContent>
+  <p:timing>
+    <p:tnLst>
+      <p:par>
+        <p:cTn id="1" dur="indefinite" restart="never" nodeType="tmRoot"/>
+      </p:par>
+    </p:tnLst>
+  </p:timing>
 </p:sld>
 </file>
 
@@ -15014,11 +14938,11 @@
   <p:clrMapOvr>
     <a:masterClrMapping/>
   </p:clrMapOvr>
-  <mc:AlternateContent xmlns:mc="http://schemas.openxmlformats.org/markup-compatibility/2006">
-    <mc:Choice xmlns:p14="http://schemas.microsoft.com/office/powerpoint/2010/main" Requires="p14">
+  <mc:AlternateContent xmlns:mc="http://schemas.openxmlformats.org/markup-compatibility/2006" xmlns:p14="http://schemas.microsoft.com/office/powerpoint/2010/main">
+    <mc:Choice Requires="p14">
       <p:transition spd="slow" p14:dur="2000"/>
     </mc:Choice>
-    <mc:Fallback>
+    <mc:Fallback xmlns="">
       <p:transition spd="slow"/>
     </mc:Fallback>
   </mc:AlternateContent>
@@ -16876,7 +16800,7 @@
             <a:effectLst/>
             <a:extLst>
               <a:ext uri="{C572A759-6A51-4108-AA02-DFA0A04FC94B}">
-                <ma14:wrappingTextBoxFlag xmlns:ma14="http://schemas.microsoft.com/office/mac/drawingml/2011/main" xmlns="" val="1"/>
+                <ma14:wrappingTextBoxFlag xmlns="" xmlns:ma14="http://schemas.microsoft.com/office/mac/drawingml/2011/main" val="1"/>
               </a:ext>
             </a:extLst>
           </p:spPr>
@@ -17046,7 +16970,7 @@
             <a:effectLst/>
             <a:extLst>
               <a:ext uri="{C572A759-6A51-4108-AA02-DFA0A04FC94B}">
-                <ma14:wrappingTextBoxFlag xmlns:ma14="http://schemas.microsoft.com/office/mac/drawingml/2011/main" xmlns="" val="1"/>
+                <ma14:wrappingTextBoxFlag xmlns="" xmlns:ma14="http://schemas.microsoft.com/office/mac/drawingml/2011/main" val="1"/>
               </a:ext>
             </a:extLst>
           </p:spPr>
@@ -17218,7 +17142,7 @@
             <a:effectLst/>
             <a:extLst>
               <a:ext uri="{C572A759-6A51-4108-AA02-DFA0A04FC94B}">
-                <ma14:wrappingTextBoxFlag xmlns:ma14="http://schemas.microsoft.com/office/mac/drawingml/2011/main" xmlns="" val="1"/>
+                <ma14:wrappingTextBoxFlag xmlns="" xmlns:ma14="http://schemas.microsoft.com/office/mac/drawingml/2011/main" val="1"/>
               </a:ext>
             </a:extLst>
           </p:spPr>
@@ -17390,7 +17314,7 @@
             <a:effectLst/>
             <a:extLst>
               <a:ext uri="{C572A759-6A51-4108-AA02-DFA0A04FC94B}">
-                <ma14:wrappingTextBoxFlag xmlns:ma14="http://schemas.microsoft.com/office/mac/drawingml/2011/main" xmlns="" val="1"/>
+                <ma14:wrappingTextBoxFlag xmlns="" xmlns:ma14="http://schemas.microsoft.com/office/mac/drawingml/2011/main" val="1"/>
               </a:ext>
             </a:extLst>
           </p:spPr>
@@ -17571,7 +17495,7 @@
             <a:effectLst/>
             <a:extLst>
               <a:ext uri="{C572A759-6A51-4108-AA02-DFA0A04FC94B}">
-                <ma14:wrappingTextBoxFlag xmlns:ma14="http://schemas.microsoft.com/office/mac/drawingml/2011/main" xmlns="" val="1"/>
+                <ma14:wrappingTextBoxFlag xmlns="" xmlns:ma14="http://schemas.microsoft.com/office/mac/drawingml/2011/main" val="1"/>
               </a:ext>
             </a:extLst>
           </p:spPr>
@@ -17743,7 +17667,7 @@
             <a:effectLst/>
             <a:extLst>
               <a:ext uri="{C572A759-6A51-4108-AA02-DFA0A04FC94B}">
-                <ma14:wrappingTextBoxFlag xmlns:ma14="http://schemas.microsoft.com/office/mac/drawingml/2011/main" xmlns="" val="1"/>
+                <ma14:wrappingTextBoxFlag xmlns="" xmlns:ma14="http://schemas.microsoft.com/office/mac/drawingml/2011/main" val="1"/>
               </a:ext>
             </a:extLst>
           </p:spPr>
@@ -17923,7 +17847,7 @@
             <a:effectLst/>
             <a:extLst>
               <a:ext uri="{C572A759-6A51-4108-AA02-DFA0A04FC94B}">
-                <ma14:wrappingTextBoxFlag xmlns:ma14="http://schemas.microsoft.com/office/mac/drawingml/2011/main" xmlns="" val="1"/>
+                <ma14:wrappingTextBoxFlag xmlns="" xmlns:ma14="http://schemas.microsoft.com/office/mac/drawingml/2011/main" val="1"/>
               </a:ext>
             </a:extLst>
           </p:spPr>
@@ -18095,7 +18019,7 @@
             <a:effectLst/>
             <a:extLst>
               <a:ext uri="{C572A759-6A51-4108-AA02-DFA0A04FC94B}">
-                <ma14:wrappingTextBoxFlag xmlns:ma14="http://schemas.microsoft.com/office/mac/drawingml/2011/main" xmlns="" val="1"/>
+                <ma14:wrappingTextBoxFlag xmlns="" xmlns:ma14="http://schemas.microsoft.com/office/mac/drawingml/2011/main" val="1"/>
               </a:ext>
             </a:extLst>
           </p:spPr>
@@ -18267,7 +18191,7 @@
             <a:effectLst/>
             <a:extLst>
               <a:ext uri="{C572A759-6A51-4108-AA02-DFA0A04FC94B}">
-                <ma14:wrappingTextBoxFlag xmlns:ma14="http://schemas.microsoft.com/office/mac/drawingml/2011/main" xmlns="" val="1"/>
+                <ma14:wrappingTextBoxFlag xmlns="" xmlns:ma14="http://schemas.microsoft.com/office/mac/drawingml/2011/main" val="1"/>
               </a:ext>
             </a:extLst>
           </p:spPr>
@@ -18439,7 +18363,7 @@
             <a:effectLst/>
             <a:extLst>
               <a:ext uri="{C572A759-6A51-4108-AA02-DFA0A04FC94B}">
-                <ma14:wrappingTextBoxFlag xmlns:ma14="http://schemas.microsoft.com/office/mac/drawingml/2011/main" xmlns="" val="1"/>
+                <ma14:wrappingTextBoxFlag xmlns="" xmlns:ma14="http://schemas.microsoft.com/office/mac/drawingml/2011/main" val="1"/>
               </a:ext>
             </a:extLst>
           </p:spPr>
@@ -18611,7 +18535,7 @@
             <a:effectLst/>
             <a:extLst>
               <a:ext uri="{C572A759-6A51-4108-AA02-DFA0A04FC94B}">
-                <ma14:wrappingTextBoxFlag xmlns:ma14="http://schemas.microsoft.com/office/mac/drawingml/2011/main" xmlns="" val="1"/>
+                <ma14:wrappingTextBoxFlag xmlns="" xmlns:ma14="http://schemas.microsoft.com/office/mac/drawingml/2011/main" val="1"/>
               </a:ext>
             </a:extLst>
           </p:spPr>
@@ -18783,7 +18707,7 @@
             <a:effectLst/>
             <a:extLst>
               <a:ext uri="{C572A759-6A51-4108-AA02-DFA0A04FC94B}">
-                <ma14:wrappingTextBoxFlag xmlns:ma14="http://schemas.microsoft.com/office/mac/drawingml/2011/main" xmlns="" val="1"/>
+                <ma14:wrappingTextBoxFlag xmlns="" xmlns:ma14="http://schemas.microsoft.com/office/mac/drawingml/2011/main" val="1"/>
               </a:ext>
             </a:extLst>
           </p:spPr>
@@ -18915,7 +18839,7 @@
             <a:effectLst/>
             <a:extLst>
               <a:ext uri="{C572A759-6A51-4108-AA02-DFA0A04FC94B}">
-                <ma14:wrappingTextBoxFlag xmlns:ma14="http://schemas.microsoft.com/office/mac/drawingml/2011/main" xmlns="" val="1"/>
+                <ma14:wrappingTextBoxFlag xmlns="" xmlns:ma14="http://schemas.microsoft.com/office/mac/drawingml/2011/main" val="1"/>
               </a:ext>
             </a:extLst>
           </p:spPr>
@@ -19087,7 +19011,7 @@
             <a:effectLst/>
             <a:extLst>
               <a:ext uri="{C572A759-6A51-4108-AA02-DFA0A04FC94B}">
-                <ma14:wrappingTextBoxFlag xmlns:ma14="http://schemas.microsoft.com/office/mac/drawingml/2011/main" xmlns="" val="1"/>
+                <ma14:wrappingTextBoxFlag xmlns="" xmlns:ma14="http://schemas.microsoft.com/office/mac/drawingml/2011/main" val="1"/>
               </a:ext>
             </a:extLst>
           </p:spPr>
@@ -19259,7 +19183,7 @@
             <a:effectLst/>
             <a:extLst>
               <a:ext uri="{C572A759-6A51-4108-AA02-DFA0A04FC94B}">
-                <ma14:wrappingTextBoxFlag xmlns:ma14="http://schemas.microsoft.com/office/mac/drawingml/2011/main" xmlns="" val="1"/>
+                <ma14:wrappingTextBoxFlag xmlns="" xmlns:ma14="http://schemas.microsoft.com/office/mac/drawingml/2011/main" val="1"/>
               </a:ext>
             </a:extLst>
           </p:spPr>
@@ -19440,7 +19364,7 @@
             <a:effectLst/>
             <a:extLst>
               <a:ext uri="{C572A759-6A51-4108-AA02-DFA0A04FC94B}">
-                <ma14:wrappingTextBoxFlag xmlns:ma14="http://schemas.microsoft.com/office/mac/drawingml/2011/main" xmlns="" val="1"/>
+                <ma14:wrappingTextBoxFlag xmlns="" xmlns:ma14="http://schemas.microsoft.com/office/mac/drawingml/2011/main" val="1"/>
               </a:ext>
             </a:extLst>
           </p:spPr>
@@ -19612,7 +19536,7 @@
             <a:effectLst/>
             <a:extLst>
               <a:ext uri="{C572A759-6A51-4108-AA02-DFA0A04FC94B}">
-                <ma14:wrappingTextBoxFlag xmlns:ma14="http://schemas.microsoft.com/office/mac/drawingml/2011/main" xmlns="" val="1"/>
+                <ma14:wrappingTextBoxFlag xmlns="" xmlns:ma14="http://schemas.microsoft.com/office/mac/drawingml/2011/main" val="1"/>
               </a:ext>
             </a:extLst>
           </p:spPr>
@@ -19784,7 +19708,7 @@
             <a:effectLst/>
             <a:extLst>
               <a:ext uri="{C572A759-6A51-4108-AA02-DFA0A04FC94B}">
-                <ma14:wrappingTextBoxFlag xmlns:ma14="http://schemas.microsoft.com/office/mac/drawingml/2011/main" xmlns="" val="1"/>
+                <ma14:wrappingTextBoxFlag xmlns="" xmlns:ma14="http://schemas.microsoft.com/office/mac/drawingml/2011/main" val="1"/>
               </a:ext>
             </a:extLst>
           </p:spPr>
@@ -19956,7 +19880,7 @@
             <a:effectLst/>
             <a:extLst>
               <a:ext uri="{C572A759-6A51-4108-AA02-DFA0A04FC94B}">
-                <ma14:wrappingTextBoxFlag xmlns:ma14="http://schemas.microsoft.com/office/mac/drawingml/2011/main" xmlns="" val="1"/>
+                <ma14:wrappingTextBoxFlag xmlns="" xmlns:ma14="http://schemas.microsoft.com/office/mac/drawingml/2011/main" val="1"/>
               </a:ext>
             </a:extLst>
           </p:spPr>
@@ -20073,7 +19997,7 @@
           <a:effectLst/>
           <a:extLst>
             <a:ext uri="{C572A759-6A51-4108-AA02-DFA0A04FC94B}">
-              <ma14:wrappingTextBoxFlag xmlns:ma14="http://schemas.microsoft.com/office/mac/drawingml/2011/main" xmlns="" val="1"/>
+              <ma14:wrappingTextBoxFlag xmlns="" xmlns:ma14="http://schemas.microsoft.com/office/mac/drawingml/2011/main" val="1"/>
             </a:ext>
           </a:extLst>
         </p:spPr>
@@ -20203,7 +20127,7 @@
             <a:effectLst/>
             <a:extLst>
               <a:ext uri="{C572A759-6A51-4108-AA02-DFA0A04FC94B}">
-                <ma14:wrappingTextBoxFlag xmlns:ma14="http://schemas.microsoft.com/office/mac/drawingml/2011/main" xmlns="" val="1"/>
+                <ma14:wrappingTextBoxFlag xmlns="" xmlns:ma14="http://schemas.microsoft.com/office/mac/drawingml/2011/main" val="1"/>
               </a:ext>
             </a:extLst>
           </p:spPr>
@@ -20287,7 +20211,7 @@
           </a:effectLst>
           <a:extLst>
             <a:ext uri="{C572A759-6A51-4108-AA02-DFA0A04FC94B}">
-              <ma14:wrappingTextBoxFlag xmlns:ma14="http://schemas.microsoft.com/office/mac/drawingml/2011/main" xmlns="" val="1"/>
+              <ma14:wrappingTextBoxFlag xmlns="" xmlns:ma14="http://schemas.microsoft.com/office/mac/drawingml/2011/main" val="1"/>
             </a:ext>
           </a:extLst>
         </p:spPr>
@@ -20346,7 +20270,7 @@
           </a:effectLst>
           <a:extLst>
             <a:ext uri="{C572A759-6A51-4108-AA02-DFA0A04FC94B}">
-              <ma14:wrappingTextBoxFlag xmlns:ma14="http://schemas.microsoft.com/office/mac/drawingml/2011/main" xmlns="" val="1"/>
+              <ma14:wrappingTextBoxFlag xmlns="" xmlns:ma14="http://schemas.microsoft.com/office/mac/drawingml/2011/main" val="1"/>
             </a:ext>
           </a:extLst>
         </p:spPr>
@@ -20405,7 +20329,7 @@
           </a:effectLst>
           <a:extLst>
             <a:ext uri="{C572A759-6A51-4108-AA02-DFA0A04FC94B}">
-              <ma14:wrappingTextBoxFlag xmlns:ma14="http://schemas.microsoft.com/office/mac/drawingml/2011/main" xmlns="" val="1"/>
+              <ma14:wrappingTextBoxFlag xmlns="" xmlns:ma14="http://schemas.microsoft.com/office/mac/drawingml/2011/main" val="1"/>
             </a:ext>
           </a:extLst>
         </p:spPr>
@@ -20464,7 +20388,7 @@
           </a:effectLst>
           <a:extLst>
             <a:ext uri="{C572A759-6A51-4108-AA02-DFA0A04FC94B}">
-              <ma14:wrappingTextBoxFlag xmlns:ma14="http://schemas.microsoft.com/office/mac/drawingml/2011/main" xmlns="" val="1"/>
+              <ma14:wrappingTextBoxFlag xmlns="" xmlns:ma14="http://schemas.microsoft.com/office/mac/drawingml/2011/main" val="1"/>
             </a:ext>
           </a:extLst>
         </p:spPr>
@@ -20533,7 +20457,7 @@
           </a:effectLst>
           <a:extLst>
             <a:ext uri="{C572A759-6A51-4108-AA02-DFA0A04FC94B}">
-              <ma14:wrappingTextBoxFlag xmlns:ma14="http://schemas.microsoft.com/office/mac/drawingml/2011/main" xmlns="" val="1"/>
+              <ma14:wrappingTextBoxFlag xmlns="" xmlns:ma14="http://schemas.microsoft.com/office/mac/drawingml/2011/main" val="1"/>
             </a:ext>
           </a:extLst>
         </p:spPr>
@@ -20584,7 +20508,7 @@
           </a:effectLst>
           <a:extLst>
             <a:ext uri="{C572A759-6A51-4108-AA02-DFA0A04FC94B}">
-              <ma14:wrappingTextBoxFlag xmlns:ma14="http://schemas.microsoft.com/office/mac/drawingml/2011/main" xmlns="" val="1"/>
+              <ma14:wrappingTextBoxFlag xmlns="" xmlns:ma14="http://schemas.microsoft.com/office/mac/drawingml/2011/main" val="1"/>
             </a:ext>
           </a:extLst>
         </p:spPr>
@@ -20642,7 +20566,7 @@
           </a:effectLst>
           <a:extLst>
             <a:ext uri="{C572A759-6A51-4108-AA02-DFA0A04FC94B}">
-              <ma14:wrappingTextBoxFlag xmlns:ma14="http://schemas.microsoft.com/office/mac/drawingml/2011/main" xmlns="" val="1"/>
+              <ma14:wrappingTextBoxFlag xmlns="" xmlns:ma14="http://schemas.microsoft.com/office/mac/drawingml/2011/main" val="1"/>
             </a:ext>
           </a:extLst>
         </p:spPr>
@@ -20720,7 +20644,7 @@
           </a:effectLst>
           <a:extLst>
             <a:ext uri="{C572A759-6A51-4108-AA02-DFA0A04FC94B}">
-              <ma14:wrappingTextBoxFlag xmlns:ma14="http://schemas.microsoft.com/office/mac/drawingml/2011/main" xmlns="" val="1"/>
+              <ma14:wrappingTextBoxFlag xmlns="" xmlns:ma14="http://schemas.microsoft.com/office/mac/drawingml/2011/main" val="1"/>
             </a:ext>
           </a:extLst>
         </p:spPr>
@@ -21740,7 +21664,7 @@
   <a:extraClrSchemeLst/>
   <a:extLst>
     <a:ext uri="{05A4C25C-085E-4340-85A3-A5531E510DB2}">
-      <thm15:themeFamily xmlns="" xmlns:thm15="http://schemas.microsoft.com/office/thememl/2012/main" name="Office Theme" id="{62F939B6-93AF-4DB8-9C6B-D6C7DFDC589F}" vid="{4A3C46E8-61CC-4603-A589-7422A47A8E4A}"/>
+      <thm15:themeFamily xmlns:thm15="http://schemas.microsoft.com/office/thememl/2012/main" xmlns="" name="Office Theme" id="{62F939B6-93AF-4DB8-9C6B-D6C7DFDC589F}" vid="{4A3C46E8-61CC-4603-A589-7422A47A8E4A}"/>
     </a:ext>
   </a:extLst>
 </a:theme>
@@ -22001,7 +21925,7 @@
   <a:extraClrSchemeLst/>
   <a:extLst>
     <a:ext uri="{05A4C25C-085E-4340-85A3-A5531E510DB2}">
-      <thm15:themeFamily xmlns="" xmlns:thm15="http://schemas.microsoft.com/office/thememl/2012/main" name="Office Theme" id="{62F939B6-93AF-4DB8-9C6B-D6C7DFDC589F}" vid="{4A3C46E8-61CC-4603-A589-7422A47A8E4A}"/>
+      <thm15:themeFamily xmlns:thm15="http://schemas.microsoft.com/office/thememl/2012/main" xmlns="" name="Office Theme" id="{62F939B6-93AF-4DB8-9C6B-D6C7DFDC589F}" vid="{4A3C46E8-61CC-4603-A589-7422A47A8E4A}"/>
     </a:ext>
   </a:extLst>
 </a:theme>
@@ -22262,7 +22186,7 @@
   <a:extraClrSchemeLst/>
   <a:extLst>
     <a:ext uri="{05A4C25C-085E-4340-85A3-A5531E510DB2}">
-      <thm15:themeFamily xmlns="" xmlns:thm15="http://schemas.microsoft.com/office/thememl/2012/main" name="Office Theme" id="{62F939B6-93AF-4DB8-9C6B-D6C7DFDC589F}" vid="{4A3C46E8-61CC-4603-A589-7422A47A8E4A}"/>
+      <thm15:themeFamily xmlns:thm15="http://schemas.microsoft.com/office/thememl/2012/main" xmlns="" name="Office Theme" id="{62F939B6-93AF-4DB8-9C6B-D6C7DFDC589F}" vid="{4A3C46E8-61CC-4603-A589-7422A47A8E4A}"/>
     </a:ext>
   </a:extLst>
 </a:theme>

--- a/A阿曼/proposal for Oman.pptx
+++ b/A阿曼/proposal for Oman.pptx
@@ -5,10 +5,10 @@
     <p:sldMasterId id="2147483648" r:id="rId1"/>
   </p:sldMasterIdLst>
   <p:notesMasterIdLst>
-    <p:notesMasterId r:id="rId36"/>
+    <p:notesMasterId r:id="rId38"/>
   </p:notesMasterIdLst>
   <p:handoutMasterIdLst>
-    <p:handoutMasterId r:id="rId37"/>
+    <p:handoutMasterId r:id="rId39"/>
   </p:handoutMasterIdLst>
   <p:sldIdLst>
     <p:sldId id="257" r:id="rId2"/>
@@ -36,15 +36,17 @@
     <p:sldId id="307" r:id="rId24"/>
     <p:sldId id="308" r:id="rId25"/>
     <p:sldId id="281" r:id="rId26"/>
-    <p:sldId id="322" r:id="rId27"/>
-    <p:sldId id="323" r:id="rId28"/>
-    <p:sldId id="297" r:id="rId29"/>
-    <p:sldId id="286" r:id="rId30"/>
-    <p:sldId id="294" r:id="rId31"/>
-    <p:sldId id="315" r:id="rId32"/>
-    <p:sldId id="319" r:id="rId33"/>
-    <p:sldId id="320" r:id="rId34"/>
-    <p:sldId id="321" r:id="rId35"/>
+    <p:sldId id="324" r:id="rId27"/>
+    <p:sldId id="322" r:id="rId28"/>
+    <p:sldId id="323" r:id="rId29"/>
+    <p:sldId id="325" r:id="rId30"/>
+    <p:sldId id="297" r:id="rId31"/>
+    <p:sldId id="286" r:id="rId32"/>
+    <p:sldId id="294" r:id="rId33"/>
+    <p:sldId id="315" r:id="rId34"/>
+    <p:sldId id="319" r:id="rId35"/>
+    <p:sldId id="320" r:id="rId36"/>
+    <p:sldId id="321" r:id="rId37"/>
   </p:sldIdLst>
   <p:sldSz cx="9144000" cy="6858000" type="screen4x3"/>
   <p:notesSz cx="6858000" cy="9144000"/>
@@ -228,7 +230,7 @@
           <a:p>
             <a:fld id="{0B6D309D-058B-5748-A1EB-3930265D673C}" type="datetimeFigureOut">
               <a:rPr kumimoji="1" lang="zh-CN" altLang="en-US" smtClean="0"/>
-              <a:t>2018/12/6</a:t>
+              <a:t>2018/12/10</a:t>
             </a:fld>
             <a:endParaRPr kumimoji="1" lang="zh-CN" altLang="en-US"/>
           </a:p>
@@ -397,7 +399,7 @@
           <a:p>
             <a:fld id="{32A9B06C-3D16-3548-AD73-D0AF40B87763}" type="datetimeFigureOut">
               <a:rPr kumimoji="1" lang="zh-CN" altLang="en-US" smtClean="0"/>
-              <a:t>2018/12/6</a:t>
+              <a:t>2018/12/10</a:t>
             </a:fld>
             <a:endParaRPr kumimoji="1" lang="zh-CN" altLang="en-US"/>
           </a:p>
@@ -1787,19 +1789,19 @@
             <a:spLocks noGrp="1" noRot="1" noChangeAspect="1"/>
           </p:cNvSpPr>
           <p:nvPr>
-            <p:ph type="sldImg"/>
+            <p:ph type="sldImg" idx="2"/>
           </p:nvPr>
         </p:nvSpPr>
         <p:spPr/>
       </p:sp>
       <p:sp>
         <p:nvSpPr>
-          <p:cNvPr id="3" name="备注占位符 2"/>
+          <p:cNvPr id="3" name="文本占位符 2"/>
           <p:cNvSpPr>
             <a:spLocks noGrp="1"/>
           </p:cNvSpPr>
           <p:nvPr>
-            <p:ph type="body" idx="1"/>
+            <p:ph type="body" idx="3"/>
           </p:nvPr>
         </p:nvSpPr>
         <p:spPr/>
@@ -1807,7 +1809,7 @@
           <a:bodyPr/>
           <a:lstStyle/>
           <a:p>
-            <a:endParaRPr kumimoji="1" lang="zh-CN" altLang="en-US"/>
+            <a:endParaRPr lang="zh-CN" altLang="en-US"/>
           </a:p>
         </p:txBody>
       </p:sp>
@@ -1955,19 +1957,19 @@
             <a:spLocks noGrp="1" noRot="1" noChangeAspect="1"/>
           </p:cNvSpPr>
           <p:nvPr>
-            <p:ph type="sldImg" idx="2"/>
+            <p:ph type="sldImg"/>
           </p:nvPr>
         </p:nvSpPr>
         <p:spPr/>
       </p:sp>
       <p:sp>
         <p:nvSpPr>
-          <p:cNvPr id="3" name="文本占位符 2"/>
+          <p:cNvPr id="3" name="备注占位符 2"/>
           <p:cNvSpPr>
             <a:spLocks noGrp="1"/>
           </p:cNvSpPr>
           <p:nvPr>
-            <p:ph type="body" idx="3"/>
+            <p:ph type="body" idx="1"/>
           </p:nvPr>
         </p:nvSpPr>
         <p:spPr/>
@@ -1975,7 +1977,7 @@
           <a:bodyPr/>
           <a:lstStyle/>
           <a:p>
-            <a:endParaRPr lang="zh-CN" altLang="en-US"/>
+            <a:endParaRPr kumimoji="1" lang="zh-CN" altLang="en-US"/>
           </a:p>
         </p:txBody>
       </p:sp>
@@ -2156,6 +2158,118 @@
 </file>
 
 <file path=ppt/notesSlides/notesSlide34.xml><?xml version="1.0" encoding="utf-8"?>
+<p:notes xmlns:a="http://schemas.openxmlformats.org/drawingml/2006/main" xmlns:r="http://schemas.openxmlformats.org/officeDocument/2006/relationships" xmlns:p="http://schemas.openxmlformats.org/presentationml/2006/main">
+  <p:cSld>
+    <p:spTree>
+      <p:nvGrpSpPr>
+        <p:cNvPr id="1" name=""/>
+        <p:cNvGrpSpPr/>
+        <p:nvPr/>
+      </p:nvGrpSpPr>
+      <p:grpSpPr>
+        <a:xfrm>
+          <a:off x="0" y="0"/>
+          <a:ext cx="0" cy="0"/>
+          <a:chOff x="0" y="0"/>
+          <a:chExt cx="0" cy="0"/>
+        </a:xfrm>
+      </p:grpSpPr>
+      <p:sp>
+        <p:nvSpPr>
+          <p:cNvPr id="2" name="幻灯片图像占位符 1"/>
+          <p:cNvSpPr>
+            <a:spLocks noGrp="1" noRot="1" noChangeAspect="1"/>
+          </p:cNvSpPr>
+          <p:nvPr>
+            <p:ph type="sldImg" idx="2"/>
+          </p:nvPr>
+        </p:nvSpPr>
+        <p:spPr/>
+      </p:sp>
+      <p:sp>
+        <p:nvSpPr>
+          <p:cNvPr id="3" name="文本占位符 2"/>
+          <p:cNvSpPr>
+            <a:spLocks noGrp="1"/>
+          </p:cNvSpPr>
+          <p:nvPr>
+            <p:ph type="body" idx="3"/>
+          </p:nvPr>
+        </p:nvSpPr>
+        <p:spPr/>
+        <p:txBody>
+          <a:bodyPr/>
+          <a:lstStyle/>
+          <a:p>
+            <a:endParaRPr lang="zh-CN" altLang="en-US"/>
+          </a:p>
+        </p:txBody>
+      </p:sp>
+    </p:spTree>
+  </p:cSld>
+  <p:clrMapOvr>
+    <a:masterClrMapping/>
+  </p:clrMapOvr>
+</p:notes>
+</file>
+
+<file path=ppt/notesSlides/notesSlide35.xml><?xml version="1.0" encoding="utf-8"?>
+<p:notes xmlns:a="http://schemas.openxmlformats.org/drawingml/2006/main" xmlns:r="http://schemas.openxmlformats.org/officeDocument/2006/relationships" xmlns:p="http://schemas.openxmlformats.org/presentationml/2006/main">
+  <p:cSld>
+    <p:spTree>
+      <p:nvGrpSpPr>
+        <p:cNvPr id="1" name=""/>
+        <p:cNvGrpSpPr/>
+        <p:nvPr/>
+      </p:nvGrpSpPr>
+      <p:grpSpPr>
+        <a:xfrm>
+          <a:off x="0" y="0"/>
+          <a:ext cx="0" cy="0"/>
+          <a:chOff x="0" y="0"/>
+          <a:chExt cx="0" cy="0"/>
+        </a:xfrm>
+      </p:grpSpPr>
+      <p:sp>
+        <p:nvSpPr>
+          <p:cNvPr id="2" name="幻灯片图像占位符 1"/>
+          <p:cNvSpPr>
+            <a:spLocks noGrp="1" noRot="1" noChangeAspect="1"/>
+          </p:cNvSpPr>
+          <p:nvPr>
+            <p:ph type="sldImg" idx="2"/>
+          </p:nvPr>
+        </p:nvSpPr>
+        <p:spPr/>
+      </p:sp>
+      <p:sp>
+        <p:nvSpPr>
+          <p:cNvPr id="3" name="文本占位符 2"/>
+          <p:cNvSpPr>
+            <a:spLocks noGrp="1"/>
+          </p:cNvSpPr>
+          <p:nvPr>
+            <p:ph type="body" idx="3"/>
+          </p:nvPr>
+        </p:nvSpPr>
+        <p:spPr/>
+        <p:txBody>
+          <a:bodyPr/>
+          <a:lstStyle/>
+          <a:p>
+            <a:endParaRPr lang="zh-CN" altLang="en-US"/>
+          </a:p>
+        </p:txBody>
+      </p:sp>
+    </p:spTree>
+  </p:cSld>
+  <p:clrMapOvr>
+    <a:masterClrMapping/>
+  </p:clrMapOvr>
+</p:notes>
+</file>
+
+<file path=ppt/notesSlides/notesSlide36.xml><?xml version="1.0" encoding="utf-8"?>
 <p:notes xmlns:a="http://schemas.openxmlformats.org/drawingml/2006/main" xmlns:r="http://schemas.openxmlformats.org/officeDocument/2006/relationships" xmlns:p="http://schemas.openxmlformats.org/presentationml/2006/main">
   <p:cSld>
     <p:spTree>
@@ -12133,7 +12247,11 @@
           <a:p>
             <a:r>
               <a:rPr lang="zh-CN" altLang="en-US" dirty="0" smtClean="0"/>
-              <a:t>以交易所为杠杆撬动区块链经济</a:t>
+              <a:t>以交易所为杠杆撬动区</a:t>
+            </a:r>
+            <a:r>
+              <a:rPr lang="zh-CN" altLang="en-US" smtClean="0"/>
+              <a:t>块链经济 加强</a:t>
             </a:r>
             <a:endParaRPr lang="en-US" dirty="0"/>
           </a:p>
@@ -12322,6 +12440,550 @@
 </file>
 
 <file path=ppt/slides/slide26.xml><?xml version="1.0" encoding="utf-8"?>
+<p:sld xmlns:a="http://schemas.openxmlformats.org/drawingml/2006/main" xmlns:r="http://schemas.openxmlformats.org/officeDocument/2006/relationships" xmlns:p="http://schemas.openxmlformats.org/presentationml/2006/main">
+  <p:cSld>
+    <p:spTree>
+      <p:nvGrpSpPr>
+        <p:cNvPr id="1" name=""/>
+        <p:cNvGrpSpPr/>
+        <p:nvPr/>
+      </p:nvGrpSpPr>
+      <p:grpSpPr>
+        <a:xfrm>
+          <a:off x="0" y="0"/>
+          <a:ext cx="0" cy="0"/>
+          <a:chOff x="0" y="0"/>
+          <a:chExt cx="0" cy="0"/>
+        </a:xfrm>
+      </p:grpSpPr>
+      <p:sp>
+        <p:nvSpPr>
+          <p:cNvPr id="2" name="Title 1"/>
+          <p:cNvSpPr>
+            <a:spLocks noGrp="1"/>
+          </p:cNvSpPr>
+          <p:nvPr>
+            <p:ph type="title"/>
+          </p:nvPr>
+        </p:nvSpPr>
+        <p:spPr/>
+        <p:txBody>
+          <a:bodyPr/>
+          <a:lstStyle/>
+          <a:p>
+            <a:r>
+              <a:rPr lang="zh-CN" altLang="en-US" dirty="0" smtClean="0"/>
+              <a:t>中国的情况</a:t>
+            </a:r>
+            <a:endParaRPr lang="en-US" dirty="0"/>
+          </a:p>
+        </p:txBody>
+      </p:sp>
+      <p:sp>
+        <p:nvSpPr>
+          <p:cNvPr id="4" name="文本占位符 3"/>
+          <p:cNvSpPr>
+            <a:spLocks noGrp="1"/>
+          </p:cNvSpPr>
+          <p:nvPr>
+            <p:ph type="body" sz="quarter" idx="10"/>
+          </p:nvPr>
+        </p:nvSpPr>
+        <p:spPr/>
+        <p:txBody>
+          <a:bodyPr/>
+          <a:lstStyle/>
+          <a:p>
+            <a:r>
+              <a:rPr lang="zh-CN" altLang="en-US" dirty="0" smtClean="0"/>
+              <a:t>全球区块链热度最高，参与人数最多，体系最健全的国家</a:t>
+            </a:r>
+            <a:endParaRPr lang="zh-CN" altLang="en-US" dirty="0"/>
+          </a:p>
+        </p:txBody>
+      </p:sp>
+      <p:pic>
+        <p:nvPicPr>
+          <p:cNvPr id="1026" name="Picture 2"/>
+          <p:cNvPicPr>
+            <a:picLocks noChangeAspect="1" noChangeArrowheads="1"/>
+          </p:cNvPicPr>
+          <p:nvPr/>
+        </p:nvPicPr>
+        <p:blipFill>
+          <a:blip r:embed="rId3">
+            <a:extLst>
+              <a:ext uri="{28A0092B-C50C-407E-A947-70E740481C1C}">
+                <a14:useLocalDpi xmlns:a14="http://schemas.microsoft.com/office/drawing/2010/main" val="0"/>
+              </a:ext>
+            </a:extLst>
+          </a:blip>
+          <a:srcRect/>
+          <a:stretch>
+            <a:fillRect/>
+          </a:stretch>
+        </p:blipFill>
+        <p:spPr bwMode="auto">
+          <a:xfrm>
+            <a:off x="182879" y="1783081"/>
+            <a:ext cx="4663439" cy="3063240"/>
+          </a:xfrm>
+          <a:prstGeom prst="rect">
+            <a:avLst/>
+          </a:prstGeom>
+          <a:noFill/>
+          <a:ln>
+            <a:noFill/>
+          </a:ln>
+          <a:effectLst/>
+          <a:extLst>
+            <a:ext uri="{909E8E84-426E-40DD-AFC4-6F175D3DCCD1}">
+              <a14:hiddenFill xmlns:a14="http://schemas.microsoft.com/office/drawing/2010/main">
+                <a:solidFill>
+                  <a:schemeClr val="accent1"/>
+                </a:solidFill>
+              </a14:hiddenFill>
+            </a:ext>
+            <a:ext uri="{91240B29-F687-4F45-9708-019B960494DF}">
+              <a14:hiddenLine xmlns:a14="http://schemas.microsoft.com/office/drawing/2010/main" w="9525">
+                <a:solidFill>
+                  <a:schemeClr val="tx1"/>
+                </a:solidFill>
+                <a:miter lim="800000"/>
+                <a:headEnd/>
+                <a:tailEnd/>
+              </a14:hiddenLine>
+            </a:ext>
+            <a:ext uri="{AF507438-7753-43E0-B8FC-AC1667EBCBE1}">
+              <a14:hiddenEffects xmlns:a14="http://schemas.microsoft.com/office/drawing/2010/main">
+                <a:effectLst>
+                  <a:outerShdw dist="35921" dir="2700000" algn="ctr" rotWithShape="0">
+                    <a:schemeClr val="bg2"/>
+                  </a:outerShdw>
+                </a:effectLst>
+              </a14:hiddenEffects>
+            </a:ext>
+          </a:extLst>
+        </p:spPr>
+      </p:pic>
+      <p:pic>
+        <p:nvPicPr>
+          <p:cNvPr id="6" name="Picture 2" descr="å¾ç 3">
+            <a:extLst>
+              <a:ext uri="{FF2B5EF4-FFF2-40B4-BE49-F238E27FC236}">
+                <a16:creationId xmlns="" xmlns:a16="http://schemas.microsoft.com/office/drawing/2014/main" id="{9EB396E8-6665-4274-B947-09E9C8C6AED5}"/>
+              </a:ext>
+            </a:extLst>
+          </p:cNvPr>
+          <p:cNvPicPr>
+            <a:picLocks noChangeAspect="1" noChangeArrowheads="1"/>
+          </p:cNvPicPr>
+          <p:nvPr/>
+        </p:nvPicPr>
+        <p:blipFill>
+          <a:blip r:embed="rId4" cstate="print">
+            <a:extLst>
+              <a:ext uri="{28A0092B-C50C-407E-A947-70E740481C1C}">
+                <a14:useLocalDpi xmlns:a14="http://schemas.microsoft.com/office/drawing/2010/main" val="0"/>
+              </a:ext>
+            </a:extLst>
+          </a:blip>
+          <a:srcRect/>
+          <a:stretch>
+            <a:fillRect/>
+          </a:stretch>
+        </p:blipFill>
+        <p:spPr bwMode="auto">
+          <a:xfrm>
+            <a:off x="4709159" y="1783080"/>
+            <a:ext cx="4069081" cy="3063241"/>
+          </a:xfrm>
+          <a:prstGeom prst="rect">
+            <a:avLst/>
+          </a:prstGeom>
+          <a:noFill/>
+          <a:extLst>
+            <a:ext uri="{909E8E84-426E-40DD-AFC4-6F175D3DCCD1}">
+              <a14:hiddenFill xmlns:a14="http://schemas.microsoft.com/office/drawing/2010/main">
+                <a:solidFill>
+                  <a:srgbClr val="FFFFFF"/>
+                </a:solidFill>
+              </a14:hiddenFill>
+            </a:ext>
+          </a:extLst>
+        </p:spPr>
+      </p:pic>
+      <p:sp>
+        <p:nvSpPr>
+          <p:cNvPr id="8" name="矩形 7"/>
+          <p:cNvSpPr/>
+          <p:nvPr/>
+        </p:nvSpPr>
+        <p:spPr>
+          <a:xfrm>
+            <a:off x="257176" y="5532120"/>
+            <a:ext cx="1005840" cy="365760"/>
+          </a:xfrm>
+          <a:prstGeom prst="rect">
+            <a:avLst/>
+          </a:prstGeom>
+          <a:solidFill>
+            <a:srgbClr val="1385D4"/>
+          </a:solidFill>
+          <a:ln>
+            <a:noFill/>
+          </a:ln>
+        </p:spPr>
+        <p:style>
+          <a:lnRef idx="2">
+            <a:schemeClr val="accent1">
+              <a:shade val="50000"/>
+            </a:schemeClr>
+          </a:lnRef>
+          <a:fillRef idx="1">
+            <a:schemeClr val="accent1"/>
+          </a:fillRef>
+          <a:effectRef idx="0">
+            <a:schemeClr val="accent1"/>
+          </a:effectRef>
+          <a:fontRef idx="minor">
+            <a:schemeClr val="lt1"/>
+          </a:fontRef>
+        </p:style>
+        <p:txBody>
+          <a:bodyPr rtlCol="0" anchor="ctr"/>
+          <a:lstStyle/>
+          <a:p>
+            <a:pPr algn="ctr"/>
+            <a:r>
+              <a:rPr lang="zh-CN" altLang="en-US" sz="1200" dirty="0" smtClean="0"/>
+              <a:t>比特大陆</a:t>
+            </a:r>
+            <a:endParaRPr lang="zh-CN" altLang="en-US" sz="1200" dirty="0"/>
+          </a:p>
+        </p:txBody>
+      </p:sp>
+      <p:sp>
+        <p:nvSpPr>
+          <p:cNvPr id="9" name="矩形 8"/>
+          <p:cNvSpPr/>
+          <p:nvPr/>
+        </p:nvSpPr>
+        <p:spPr>
+          <a:xfrm>
+            <a:off x="1528859" y="5532120"/>
+            <a:ext cx="1005840" cy="365760"/>
+          </a:xfrm>
+          <a:prstGeom prst="rect">
+            <a:avLst/>
+          </a:prstGeom>
+          <a:solidFill>
+            <a:srgbClr val="1385D4"/>
+          </a:solidFill>
+          <a:ln>
+            <a:noFill/>
+          </a:ln>
+        </p:spPr>
+        <p:style>
+          <a:lnRef idx="2">
+            <a:schemeClr val="accent1">
+              <a:shade val="50000"/>
+            </a:schemeClr>
+          </a:lnRef>
+          <a:fillRef idx="1">
+            <a:schemeClr val="accent1"/>
+          </a:fillRef>
+          <a:effectRef idx="0">
+            <a:schemeClr val="accent1"/>
+          </a:effectRef>
+          <a:fontRef idx="minor">
+            <a:schemeClr val="lt1"/>
+          </a:fontRef>
+        </p:style>
+        <p:txBody>
+          <a:bodyPr rtlCol="0" anchor="ctr"/>
+          <a:lstStyle/>
+          <a:p>
+            <a:pPr algn="ctr"/>
+            <a:r>
+              <a:rPr lang="zh-CN" altLang="en-US" sz="1200" dirty="0"/>
+              <a:t>嘉楠耘智</a:t>
+            </a:r>
+            <a:endParaRPr lang="zh-CN" altLang="en-US" sz="1200" dirty="0"/>
+          </a:p>
+        </p:txBody>
+      </p:sp>
+      <p:sp>
+        <p:nvSpPr>
+          <p:cNvPr id="10" name="矩形 9"/>
+          <p:cNvSpPr/>
+          <p:nvPr/>
+        </p:nvSpPr>
+        <p:spPr>
+          <a:xfrm>
+            <a:off x="2800542" y="5532120"/>
+            <a:ext cx="1005840" cy="365760"/>
+          </a:xfrm>
+          <a:prstGeom prst="rect">
+            <a:avLst/>
+          </a:prstGeom>
+          <a:solidFill>
+            <a:srgbClr val="1385D4"/>
+          </a:solidFill>
+          <a:ln>
+            <a:noFill/>
+          </a:ln>
+        </p:spPr>
+        <p:style>
+          <a:lnRef idx="2">
+            <a:schemeClr val="accent1">
+              <a:shade val="50000"/>
+            </a:schemeClr>
+          </a:lnRef>
+          <a:fillRef idx="1">
+            <a:schemeClr val="accent1"/>
+          </a:fillRef>
+          <a:effectRef idx="0">
+            <a:schemeClr val="accent1"/>
+          </a:effectRef>
+          <a:fontRef idx="minor">
+            <a:schemeClr val="lt1"/>
+          </a:fontRef>
+        </p:style>
+        <p:txBody>
+          <a:bodyPr rtlCol="0" anchor="ctr"/>
+          <a:lstStyle/>
+          <a:p>
+            <a:pPr algn="ctr"/>
+            <a:r>
+              <a:rPr lang="zh-CN" altLang="en-US" sz="1200" dirty="0" smtClean="0"/>
+              <a:t>币安</a:t>
+            </a:r>
+            <a:endParaRPr lang="zh-CN" altLang="en-US" sz="1200" dirty="0"/>
+          </a:p>
+        </p:txBody>
+      </p:sp>
+      <p:sp>
+        <p:nvSpPr>
+          <p:cNvPr id="11" name="矩形 10"/>
+          <p:cNvSpPr/>
+          <p:nvPr/>
+        </p:nvSpPr>
+        <p:spPr>
+          <a:xfrm>
+            <a:off x="4072225" y="5532120"/>
+            <a:ext cx="1005840" cy="365760"/>
+          </a:xfrm>
+          <a:prstGeom prst="rect">
+            <a:avLst/>
+          </a:prstGeom>
+          <a:solidFill>
+            <a:srgbClr val="1385D4"/>
+          </a:solidFill>
+          <a:ln>
+            <a:noFill/>
+          </a:ln>
+        </p:spPr>
+        <p:style>
+          <a:lnRef idx="2">
+            <a:schemeClr val="accent1">
+              <a:shade val="50000"/>
+            </a:schemeClr>
+          </a:lnRef>
+          <a:fillRef idx="1">
+            <a:schemeClr val="accent1"/>
+          </a:fillRef>
+          <a:effectRef idx="0">
+            <a:schemeClr val="accent1"/>
+          </a:effectRef>
+          <a:fontRef idx="minor">
+            <a:schemeClr val="lt1"/>
+          </a:fontRef>
+        </p:style>
+        <p:txBody>
+          <a:bodyPr rtlCol="0" anchor="ctr"/>
+          <a:lstStyle/>
+          <a:p>
+            <a:pPr algn="ctr"/>
+            <a:r>
+              <a:rPr lang="zh-CN" altLang="en-US" sz="1200" dirty="0" smtClean="0"/>
+              <a:t>火币</a:t>
+            </a:r>
+            <a:endParaRPr lang="zh-CN" altLang="en-US" sz="1200" dirty="0"/>
+          </a:p>
+        </p:txBody>
+      </p:sp>
+      <p:sp>
+        <p:nvSpPr>
+          <p:cNvPr id="12" name="矩形 11"/>
+          <p:cNvSpPr/>
+          <p:nvPr/>
+        </p:nvSpPr>
+        <p:spPr>
+          <a:xfrm>
+            <a:off x="5343908" y="5532120"/>
+            <a:ext cx="1005840" cy="365760"/>
+          </a:xfrm>
+          <a:prstGeom prst="rect">
+            <a:avLst/>
+          </a:prstGeom>
+          <a:solidFill>
+            <a:srgbClr val="1385D4"/>
+          </a:solidFill>
+          <a:ln>
+            <a:noFill/>
+          </a:ln>
+        </p:spPr>
+        <p:style>
+          <a:lnRef idx="2">
+            <a:schemeClr val="accent1">
+              <a:shade val="50000"/>
+            </a:schemeClr>
+          </a:lnRef>
+          <a:fillRef idx="1">
+            <a:schemeClr val="accent1"/>
+          </a:fillRef>
+          <a:effectRef idx="0">
+            <a:schemeClr val="accent1"/>
+          </a:effectRef>
+          <a:fontRef idx="minor">
+            <a:schemeClr val="lt1"/>
+          </a:fontRef>
+        </p:style>
+        <p:txBody>
+          <a:bodyPr rtlCol="0" anchor="ctr"/>
+          <a:lstStyle/>
+          <a:p>
+            <a:pPr algn="ctr"/>
+            <a:r>
+              <a:rPr lang="en-US" altLang="zh-CN" sz="1200" dirty="0" err="1" smtClean="0"/>
+              <a:t>OKex</a:t>
+            </a:r>
+            <a:endParaRPr lang="zh-CN" altLang="en-US" sz="1200" dirty="0"/>
+          </a:p>
+        </p:txBody>
+      </p:sp>
+      <p:sp>
+        <p:nvSpPr>
+          <p:cNvPr id="13" name="矩形 12"/>
+          <p:cNvSpPr/>
+          <p:nvPr/>
+        </p:nvSpPr>
+        <p:spPr>
+          <a:xfrm>
+            <a:off x="6615591" y="5532120"/>
+            <a:ext cx="1005840" cy="365760"/>
+          </a:xfrm>
+          <a:prstGeom prst="rect">
+            <a:avLst/>
+          </a:prstGeom>
+          <a:solidFill>
+            <a:srgbClr val="1385D4"/>
+          </a:solidFill>
+          <a:ln>
+            <a:noFill/>
+          </a:ln>
+        </p:spPr>
+        <p:style>
+          <a:lnRef idx="2">
+            <a:schemeClr val="accent1">
+              <a:shade val="50000"/>
+            </a:schemeClr>
+          </a:lnRef>
+          <a:fillRef idx="1">
+            <a:schemeClr val="accent1"/>
+          </a:fillRef>
+          <a:effectRef idx="0">
+            <a:schemeClr val="accent1"/>
+          </a:effectRef>
+          <a:fontRef idx="minor">
+            <a:schemeClr val="lt1"/>
+          </a:fontRef>
+        </p:style>
+        <p:txBody>
+          <a:bodyPr rtlCol="0" anchor="ctr"/>
+          <a:lstStyle/>
+          <a:p>
+            <a:pPr algn="ctr"/>
+            <a:r>
+              <a:rPr lang="en-US" altLang="zh-CN" sz="1200" dirty="0" smtClean="0"/>
+              <a:t>NEO</a:t>
+            </a:r>
+            <a:endParaRPr lang="zh-CN" altLang="en-US" sz="1200" dirty="0"/>
+          </a:p>
+        </p:txBody>
+      </p:sp>
+      <p:sp>
+        <p:nvSpPr>
+          <p:cNvPr id="14" name="矩形 13"/>
+          <p:cNvSpPr/>
+          <p:nvPr/>
+        </p:nvSpPr>
+        <p:spPr>
+          <a:xfrm>
+            <a:off x="7887273" y="5532120"/>
+            <a:ext cx="1005840" cy="365760"/>
+          </a:xfrm>
+          <a:prstGeom prst="rect">
+            <a:avLst/>
+          </a:prstGeom>
+          <a:solidFill>
+            <a:srgbClr val="1385D4"/>
+          </a:solidFill>
+          <a:ln>
+            <a:noFill/>
+          </a:ln>
+        </p:spPr>
+        <p:style>
+          <a:lnRef idx="2">
+            <a:schemeClr val="accent1">
+              <a:shade val="50000"/>
+            </a:schemeClr>
+          </a:lnRef>
+          <a:fillRef idx="1">
+            <a:schemeClr val="accent1"/>
+          </a:fillRef>
+          <a:effectRef idx="0">
+            <a:schemeClr val="accent1"/>
+          </a:effectRef>
+          <a:fontRef idx="minor">
+            <a:schemeClr val="lt1"/>
+          </a:fontRef>
+        </p:style>
+        <p:txBody>
+          <a:bodyPr rtlCol="0" anchor="ctr"/>
+          <a:lstStyle/>
+          <a:p>
+            <a:pPr algn="ctr"/>
+            <a:r>
+              <a:rPr lang="en-US" altLang="zh-CN" sz="1200" dirty="0" smtClean="0"/>
+              <a:t>TRX</a:t>
+            </a:r>
+            <a:endParaRPr lang="zh-CN" altLang="en-US" sz="1200" dirty="0"/>
+          </a:p>
+        </p:txBody>
+      </p:sp>
+    </p:spTree>
+    <p:extLst>
+      <p:ext uri="{BB962C8B-B14F-4D97-AF65-F5344CB8AC3E}">
+        <p14:creationId xmlns:p14="http://schemas.microsoft.com/office/powerpoint/2010/main" val="2645126992"/>
+      </p:ext>
+    </p:extLst>
+  </p:cSld>
+  <p:clrMapOvr>
+    <a:masterClrMapping/>
+  </p:clrMapOvr>
+  <p:timing>
+    <p:tnLst>
+      <p:par>
+        <p:cTn id="1" dur="indefinite" restart="never" nodeType="tmRoot"/>
+      </p:par>
+    </p:tnLst>
+  </p:timing>
+</p:sld>
+</file>
+
+<file path=ppt/slides/slide27.xml><?xml version="1.0" encoding="utf-8"?>
 <p:sld xmlns:a="http://schemas.openxmlformats.org/drawingml/2006/main" xmlns:r="http://schemas.openxmlformats.org/officeDocument/2006/relationships" xmlns:p="http://schemas.openxmlformats.org/presentationml/2006/main">
   <p:cSld>
     <p:spTree>
@@ -13275,7 +13937,7 @@
 </p:sld>
 </file>
 
-<file path=ppt/slides/slide27.xml><?xml version="1.0" encoding="utf-8"?>
+<file path=ppt/slides/slide28.xml><?xml version="1.0" encoding="utf-8"?>
 <p:sld xmlns:a="http://schemas.openxmlformats.org/drawingml/2006/main" xmlns:r="http://schemas.openxmlformats.org/officeDocument/2006/relationships" xmlns:p="http://schemas.openxmlformats.org/presentationml/2006/main">
   <p:cSld>
     <p:spTree>
@@ -13340,74 +14002,6 @@
       </p:sp>
       <p:sp>
         <p:nvSpPr>
-          <p:cNvPr id="10" name="Circular Arrow 23"/>
-          <p:cNvSpPr/>
-          <p:nvPr/>
-        </p:nvSpPr>
-        <p:spPr>
-          <a:xfrm rot="6981986">
-            <a:off x="4428968" y="5614771"/>
-            <a:ext cx="1045029" cy="922565"/>
-          </a:xfrm>
-          <a:prstGeom prst="circularArrow">
-            <a:avLst>
-              <a:gd name="adj1" fmla="val 12500"/>
-              <a:gd name="adj2" fmla="val 1142319"/>
-              <a:gd name="adj3" fmla="val 20457681"/>
-              <a:gd name="adj4" fmla="val 10824695"/>
-              <a:gd name="adj5" fmla="val 12500"/>
-            </a:avLst>
-          </a:prstGeom>
-          <a:solidFill>
-            <a:sysClr val="window" lastClr="FFFFFF"/>
-          </a:solidFill>
-          <a:ln w="25400" cap="flat" cmpd="sng" algn="ctr">
-            <a:noFill/>
-            <a:prstDash val="solid"/>
-          </a:ln>
-          <a:effectLst/>
-        </p:spPr>
-        <p:txBody>
-          <a:bodyPr rtlCol="0" anchor="ctr"/>
-          <a:lstStyle/>
-          <a:p>
-            <a:pPr marL="0" marR="0" lvl="0" indent="0" algn="ctr" defTabSz="914400" eaLnBrk="1" fontAlgn="auto" latinLnBrk="0" hangingPunct="1">
-              <a:lnSpc>
-                <a:spcPct val="100000"/>
-              </a:lnSpc>
-              <a:spcBef>
-                <a:spcPts val="0"/>
-              </a:spcBef>
-              <a:spcAft>
-                <a:spcPts val="0"/>
-              </a:spcAft>
-              <a:buClrTx/>
-              <a:buSzTx/>
-              <a:buFontTx/>
-              <a:buNone/>
-              <a:tabLst/>
-              <a:defRPr/>
-            </a:pPr>
-            <a:endParaRPr kumimoji="0" lang="zh-CN" altLang="en-US" sz="1800" b="0" i="0" u="none" strike="noStrike" kern="0" cap="none" spc="0" normalizeH="0" baseline="0" noProof="0" smtClean="0">
-              <a:ln>
-                <a:noFill/>
-              </a:ln>
-              <a:solidFill>
-                <a:schemeClr val="accent1">
-                  <a:lumMod val="75000"/>
-                </a:schemeClr>
-              </a:solidFill>
-              <a:effectLst/>
-              <a:uLnTx/>
-              <a:uFillTx/>
-              <a:latin typeface="微软雅黑" pitchFamily="34" charset="-122"/>
-              <a:ea typeface="微软雅黑" pitchFamily="34" charset="-122"/>
-            </a:endParaRPr>
-          </a:p>
-        </p:txBody>
-      </p:sp>
-      <p:sp>
-        <p:nvSpPr>
           <p:cNvPr id="24" name="Text Placeholder 17"/>
           <p:cNvSpPr>
             <a:spLocks noGrp="1"/>
@@ -13471,6 +14065,30 @@
               <a:rPr lang="en-US" altLang="zh-CN" dirty="0" smtClean="0"/>
               <a:t>51%</a:t>
             </a:r>
+          </a:p>
+          <a:p>
+            <a:pPr lvl="1">
+              <a:lnSpc>
+                <a:spcPct val="150000"/>
+              </a:lnSpc>
+              <a:buClr>
+                <a:srgbClr val="68B57F"/>
+              </a:buClr>
+              <a:buSzPct val="100000"/>
+            </a:pPr>
+            <a:r>
+              <a:rPr lang="zh-CN" altLang="en-US" dirty="0" smtClean="0">
+                <a:solidFill>
+                  <a:srgbClr val="FF0000"/>
+                </a:solidFill>
+              </a:rPr>
+              <a:t>引入成熟产业链和相关资源（待定）</a:t>
+            </a:r>
+            <a:endParaRPr lang="en-US" altLang="zh-CN" dirty="0" smtClean="0">
+              <a:solidFill>
+                <a:srgbClr val="FF0000"/>
+              </a:solidFill>
+            </a:endParaRPr>
           </a:p>
           <a:p>
             <a:pPr lvl="1">
@@ -13569,7 +14187,173 @@
 </p:sld>
 </file>
 
-<file path=ppt/slides/slide28.xml><?xml version="1.0" encoding="utf-8"?>
+<file path=ppt/slides/slide29.xml><?xml version="1.0" encoding="utf-8"?>
+<p:sld xmlns:a="http://schemas.openxmlformats.org/drawingml/2006/main" xmlns:r="http://schemas.openxmlformats.org/officeDocument/2006/relationships" xmlns:p="http://schemas.openxmlformats.org/presentationml/2006/main">
+  <p:cSld>
+    <p:spTree>
+      <p:nvGrpSpPr>
+        <p:cNvPr id="1" name=""/>
+        <p:cNvGrpSpPr/>
+        <p:nvPr/>
+      </p:nvGrpSpPr>
+      <p:grpSpPr>
+        <a:xfrm>
+          <a:off x="0" y="0"/>
+          <a:ext cx="0" cy="0"/>
+          <a:chOff x="0" y="0"/>
+          <a:chExt cx="0" cy="0"/>
+        </a:xfrm>
+      </p:grpSpPr>
+      <p:sp>
+        <p:nvSpPr>
+          <p:cNvPr id="2" name="Title 1"/>
+          <p:cNvSpPr>
+            <a:spLocks noGrp="1"/>
+          </p:cNvSpPr>
+          <p:nvPr>
+            <p:ph type="title"/>
+          </p:nvPr>
+        </p:nvSpPr>
+        <p:spPr/>
+        <p:txBody>
+          <a:bodyPr/>
+          <a:lstStyle/>
+          <a:p>
+            <a:r>
+              <a:rPr lang="zh-CN" altLang="en-US" dirty="0" smtClean="0"/>
+              <a:t>标准共识的价值</a:t>
+            </a:r>
+            <a:endParaRPr lang="en-US" dirty="0"/>
+          </a:p>
+        </p:txBody>
+      </p:sp>
+      <p:sp>
+        <p:nvSpPr>
+          <p:cNvPr id="3" name="Text Placeholder 2"/>
+          <p:cNvSpPr>
+            <a:spLocks noGrp="1"/>
+          </p:cNvSpPr>
+          <p:nvPr>
+            <p:ph type="body" sz="quarter" idx="10"/>
+          </p:nvPr>
+        </p:nvSpPr>
+        <p:spPr/>
+        <p:txBody>
+          <a:bodyPr/>
+          <a:lstStyle/>
+          <a:p>
+            <a:r>
+              <a:rPr lang="zh-CN" altLang="en-US" dirty="0" smtClean="0"/>
+              <a:t>标准共识是最了解区块链体系并且掌握资源的评级咨询机构</a:t>
+            </a:r>
+            <a:endParaRPr lang="en-US" dirty="0"/>
+          </a:p>
+        </p:txBody>
+      </p:sp>
+    </p:spTree>
+    <p:extLst>
+      <p:ext uri="{BB962C8B-B14F-4D97-AF65-F5344CB8AC3E}">
+        <p14:creationId xmlns:p14="http://schemas.microsoft.com/office/powerpoint/2010/main" val="1534866427"/>
+      </p:ext>
+    </p:extLst>
+  </p:cSld>
+  <p:clrMapOvr>
+    <a:masterClrMapping/>
+  </p:clrMapOvr>
+  <p:timing>
+    <p:tnLst>
+      <p:par>
+        <p:cTn id="1" dur="indefinite" restart="never" nodeType="tmRoot"/>
+      </p:par>
+    </p:tnLst>
+  </p:timing>
+</p:sld>
+</file>
+
+<file path=ppt/slides/slide3.xml><?xml version="1.0" encoding="utf-8"?>
+<p:sld xmlns:a="http://schemas.openxmlformats.org/drawingml/2006/main" xmlns:r="http://schemas.openxmlformats.org/officeDocument/2006/relationships" xmlns:p="http://schemas.openxmlformats.org/presentationml/2006/main">
+  <p:cSld>
+    <p:spTree>
+      <p:nvGrpSpPr>
+        <p:cNvPr id="1" name=""/>
+        <p:cNvGrpSpPr/>
+        <p:nvPr/>
+      </p:nvGrpSpPr>
+      <p:grpSpPr>
+        <a:xfrm>
+          <a:off x="0" y="0"/>
+          <a:ext cx="0" cy="0"/>
+          <a:chOff x="0" y="0"/>
+          <a:chExt cx="0" cy="0"/>
+        </a:xfrm>
+      </p:grpSpPr>
+      <p:sp>
+        <p:nvSpPr>
+          <p:cNvPr id="4" name="Title 3"/>
+          <p:cNvSpPr>
+            <a:spLocks noGrp="1"/>
+          </p:cNvSpPr>
+          <p:nvPr>
+            <p:ph type="title"/>
+          </p:nvPr>
+        </p:nvSpPr>
+        <p:spPr/>
+        <p:txBody>
+          <a:bodyPr/>
+          <a:lstStyle/>
+          <a:p>
+            <a:r>
+              <a:rPr lang="en-US"/>
+              <a:t>1</a:t>
+            </a:r>
+            <a:endParaRPr lang="en-US" dirty="0"/>
+          </a:p>
+        </p:txBody>
+      </p:sp>
+      <p:sp>
+        <p:nvSpPr>
+          <p:cNvPr id="5" name="Text Placeholder 4"/>
+          <p:cNvSpPr>
+            <a:spLocks noGrp="1"/>
+          </p:cNvSpPr>
+          <p:nvPr>
+            <p:ph type="body" sz="quarter" idx="10"/>
+          </p:nvPr>
+        </p:nvSpPr>
+        <p:spPr>
+          <a:xfrm>
+            <a:off x="3977640" y="2103120"/>
+            <a:ext cx="4609465" cy="2446655"/>
+          </a:xfrm>
+        </p:spPr>
+        <p:txBody>
+          <a:bodyPr/>
+          <a:lstStyle/>
+          <a:p>
+            <a:r>
+              <a:rPr lang="zh-CN" altLang="en-US" dirty="0"/>
+              <a:t>全球和阿曼经济和金融</a:t>
+            </a:r>
+            <a:endParaRPr lang="en-US" dirty="0"/>
+          </a:p>
+        </p:txBody>
+      </p:sp>
+    </p:spTree>
+  </p:cSld>
+  <p:clrMapOvr>
+    <a:masterClrMapping/>
+  </p:clrMapOvr>
+  <p:timing>
+    <p:tnLst>
+      <p:par>
+        <p:cTn id="1" dur="indefinite" restart="never" nodeType="tmRoot"/>
+      </p:par>
+    </p:tnLst>
+  </p:timing>
+</p:sld>
+</file>
+
+<file path=ppt/slides/slide30.xml><?xml version="1.0" encoding="utf-8"?>
 <p:sld xmlns:a="http://schemas.openxmlformats.org/drawingml/2006/main" xmlns:r="http://schemas.openxmlformats.org/officeDocument/2006/relationships" xmlns:p="http://schemas.openxmlformats.org/presentationml/2006/main">
   <p:cSld>
     <p:spTree>
@@ -13842,7 +14626,7 @@
 </p:sld>
 </file>
 
-<file path=ppt/slides/slide29.xml><?xml version="1.0" encoding="utf-8"?>
+<file path=ppt/slides/slide31.xml><?xml version="1.0" encoding="utf-8"?>
 <p:sld xmlns:a="http://schemas.openxmlformats.org/drawingml/2006/main" xmlns:r="http://schemas.openxmlformats.org/officeDocument/2006/relationships" xmlns:p="http://schemas.openxmlformats.org/presentationml/2006/main" show="0">
   <p:cSld>
     <p:spTree>
@@ -14077,90 +14861,7 @@
 </p:sld>
 </file>
 
-<file path=ppt/slides/slide3.xml><?xml version="1.0" encoding="utf-8"?>
-<p:sld xmlns:a="http://schemas.openxmlformats.org/drawingml/2006/main" xmlns:r="http://schemas.openxmlformats.org/officeDocument/2006/relationships" xmlns:p="http://schemas.openxmlformats.org/presentationml/2006/main">
-  <p:cSld>
-    <p:spTree>
-      <p:nvGrpSpPr>
-        <p:cNvPr id="1" name=""/>
-        <p:cNvGrpSpPr/>
-        <p:nvPr/>
-      </p:nvGrpSpPr>
-      <p:grpSpPr>
-        <a:xfrm>
-          <a:off x="0" y="0"/>
-          <a:ext cx="0" cy="0"/>
-          <a:chOff x="0" y="0"/>
-          <a:chExt cx="0" cy="0"/>
-        </a:xfrm>
-      </p:grpSpPr>
-      <p:sp>
-        <p:nvSpPr>
-          <p:cNvPr id="4" name="Title 3"/>
-          <p:cNvSpPr>
-            <a:spLocks noGrp="1"/>
-          </p:cNvSpPr>
-          <p:nvPr>
-            <p:ph type="title"/>
-          </p:nvPr>
-        </p:nvSpPr>
-        <p:spPr/>
-        <p:txBody>
-          <a:bodyPr/>
-          <a:lstStyle/>
-          <a:p>
-            <a:r>
-              <a:rPr lang="en-US"/>
-              <a:t>1</a:t>
-            </a:r>
-            <a:endParaRPr lang="en-US" dirty="0"/>
-          </a:p>
-        </p:txBody>
-      </p:sp>
-      <p:sp>
-        <p:nvSpPr>
-          <p:cNvPr id="5" name="Text Placeholder 4"/>
-          <p:cNvSpPr>
-            <a:spLocks noGrp="1"/>
-          </p:cNvSpPr>
-          <p:nvPr>
-            <p:ph type="body" sz="quarter" idx="10"/>
-          </p:nvPr>
-        </p:nvSpPr>
-        <p:spPr>
-          <a:xfrm>
-            <a:off x="3977640" y="2103120"/>
-            <a:ext cx="4609465" cy="2446655"/>
-          </a:xfrm>
-        </p:spPr>
-        <p:txBody>
-          <a:bodyPr/>
-          <a:lstStyle/>
-          <a:p>
-            <a:r>
-              <a:rPr lang="zh-CN" altLang="en-US" dirty="0"/>
-              <a:t>全球和阿曼经济和金融</a:t>
-            </a:r>
-            <a:endParaRPr lang="en-US" dirty="0"/>
-          </a:p>
-        </p:txBody>
-      </p:sp>
-    </p:spTree>
-  </p:cSld>
-  <p:clrMapOvr>
-    <a:masterClrMapping/>
-  </p:clrMapOvr>
-  <p:timing>
-    <p:tnLst>
-      <p:par>
-        <p:cTn id="1" dur="indefinite" restart="never" nodeType="tmRoot"/>
-      </p:par>
-    </p:tnLst>
-  </p:timing>
-</p:sld>
-</file>
-
-<file path=ppt/slides/slide30.xml><?xml version="1.0" encoding="utf-8"?>
+<file path=ppt/slides/slide32.xml><?xml version="1.0" encoding="utf-8"?>
 <p:sld xmlns:a="http://schemas.openxmlformats.org/drawingml/2006/main" xmlns:r="http://schemas.openxmlformats.org/officeDocument/2006/relationships" xmlns:p="http://schemas.openxmlformats.org/presentationml/2006/main" show="0">
   <p:cSld>
     <p:spTree>
@@ -14391,7 +15092,7 @@
           <a:p>
             <a:fld id="{93AC2C76-E6AA-46CB-A2DE-F6E097F7C440}" type="slidenum">
               <a:rPr lang="en-GB" smtClean="0"/>
-              <a:t>30</a:t>
+              <a:t>32</a:t>
             </a:fld>
             <a:endParaRPr lang="en-GB" dirty="0"/>
           </a:p>
@@ -14425,7 +15126,7 @@
 </p:sld>
 </file>
 
-<file path=ppt/slides/slide31.xml><?xml version="1.0" encoding="utf-8"?>
+<file path=ppt/slides/slide33.xml><?xml version="1.0" encoding="utf-8"?>
 <p:sld xmlns:a="http://schemas.openxmlformats.org/drawingml/2006/main" xmlns:r="http://schemas.openxmlformats.org/officeDocument/2006/relationships" xmlns:p="http://schemas.openxmlformats.org/presentationml/2006/main" show="0">
   <p:cSld>
     <p:spTree>
@@ -14593,7 +15294,7 @@
 </p:sld>
 </file>
 
-<file path=ppt/slides/slide32.xml><?xml version="1.0" encoding="utf-8"?>
+<file path=ppt/slides/slide34.xml><?xml version="1.0" encoding="utf-8"?>
 <p:sld xmlns:a="http://schemas.openxmlformats.org/drawingml/2006/main" xmlns:r="http://schemas.openxmlformats.org/officeDocument/2006/relationships" xmlns:p="http://schemas.openxmlformats.org/presentationml/2006/main" show="0">
   <p:cSld>
     <p:spTree>
@@ -14714,7 +15415,7 @@
 </p:sld>
 </file>
 
-<file path=ppt/slides/slide33.xml><?xml version="1.0" encoding="utf-8"?>
+<file path=ppt/slides/slide35.xml><?xml version="1.0" encoding="utf-8"?>
 <p:sld xmlns:a="http://schemas.openxmlformats.org/drawingml/2006/main" xmlns:r="http://schemas.openxmlformats.org/officeDocument/2006/relationships" xmlns:p="http://schemas.openxmlformats.org/presentationml/2006/main" show="0">
   <p:cSld>
     <p:spTree>
@@ -14835,7 +15536,7 @@
 </p:sld>
 </file>
 
-<file path=ppt/slides/slide34.xml><?xml version="1.0" encoding="utf-8"?>
+<file path=ppt/slides/slide36.xml><?xml version="1.0" encoding="utf-8"?>
 <p:sld xmlns:a="http://schemas.openxmlformats.org/drawingml/2006/main" xmlns:r="http://schemas.openxmlformats.org/officeDocument/2006/relationships" xmlns:p="http://schemas.openxmlformats.org/presentationml/2006/main" show="0">
   <p:cSld>
     <p:spTree>

--- a/A阿曼/proposal for Oman.pptx
+++ b/A阿曼/proposal for Oman.pptx
@@ -230,7 +230,7 @@
           <a:p>
             <a:fld id="{0B6D309D-058B-5748-A1EB-3930265D673C}" type="datetimeFigureOut">
               <a:rPr kumimoji="1" lang="zh-CN" altLang="en-US" smtClean="0"/>
-              <a:t>2018/12/10</a:t>
+              <a:t>2018/12/13</a:t>
             </a:fld>
             <a:endParaRPr kumimoji="1" lang="zh-CN" altLang="en-US"/>
           </a:p>
@@ -399,7 +399,7 @@
           <a:p>
             <a:fld id="{32A9B06C-3D16-3548-AD73-D0AF40B87763}" type="datetimeFigureOut">
               <a:rPr kumimoji="1" lang="zh-CN" altLang="en-US" smtClean="0"/>
-              <a:t>2018/12/10</a:t>
+              <a:t>2018/12/13</a:t>
             </a:fld>
             <a:endParaRPr kumimoji="1" lang="zh-CN" altLang="en-US"/>
           </a:p>
@@ -12076,7 +12076,7 @@
             <p:cNvPr id="95" name="Picture 2" descr="å¾ç 3">
               <a:extLst>
                 <a:ext uri="{FF2B5EF4-FFF2-40B4-BE49-F238E27FC236}">
-                  <a16:creationId xmlns="" xmlns:a16="http://schemas.microsoft.com/office/drawing/2014/main" id="{9EB396E8-6665-4274-B947-09E9C8C6AED5}"/>
+                  <a16:creationId xmlns:a16="http://schemas.microsoft.com/office/drawing/2014/main" xmlns="" id="{9EB396E8-6665-4274-B947-09E9C8C6AED5}"/>
                 </a:ext>
               </a:extLst>
             </p:cNvPr>
@@ -12571,7 +12571,7 @@
           <p:cNvPr id="6" name="Picture 2" descr="å¾ç 3">
             <a:extLst>
               <a:ext uri="{FF2B5EF4-FFF2-40B4-BE49-F238E27FC236}">
-                <a16:creationId xmlns="" xmlns:a16="http://schemas.microsoft.com/office/drawing/2014/main" id="{9EB396E8-6665-4274-B947-09E9C8C6AED5}"/>
+                <a16:creationId xmlns:a16="http://schemas.microsoft.com/office/drawing/2014/main" xmlns="" id="{9EB396E8-6665-4274-B947-09E9C8C6AED5}"/>
               </a:ext>
             </a:extLst>
           </p:cNvPr>
@@ -12709,7 +12709,6 @@
               <a:rPr lang="zh-CN" altLang="en-US" sz="1200" dirty="0"/>
               <a:t>嘉楠耘智</a:t>
             </a:r>
-            <a:endParaRPr lang="zh-CN" altLang="en-US" sz="1200" dirty="0"/>
           </a:p>
         </p:txBody>
       </p:sp>
@@ -14245,6 +14244,162 @@
             <a:r>
               <a:rPr lang="zh-CN" altLang="en-US" dirty="0" smtClean="0"/>
               <a:t>标准共识是最了解区块链体系并且掌握资源的评级咨询机构</a:t>
+            </a:r>
+            <a:endParaRPr lang="en-US" dirty="0"/>
+          </a:p>
+        </p:txBody>
+      </p:sp>
+      <p:sp>
+        <p:nvSpPr>
+          <p:cNvPr id="4" name="Text Placeholder 17"/>
+          <p:cNvSpPr>
+            <a:spLocks noGrp="1"/>
+          </p:cNvSpPr>
+          <p:nvPr>
+            <p:ph type="body" sz="quarter" idx="11"/>
+          </p:nvPr>
+        </p:nvSpPr>
+        <p:spPr>
+          <a:xfrm>
+            <a:off x="457200" y="1828800"/>
+            <a:ext cx="8229600" cy="4297680"/>
+          </a:xfrm>
+        </p:spPr>
+        <p:txBody>
+          <a:bodyPr/>
+          <a:lstStyle/>
+          <a:p>
+            <a:pPr>
+              <a:lnSpc>
+                <a:spcPct val="150000"/>
+              </a:lnSpc>
+            </a:pPr>
+            <a:r>
+              <a:rPr lang="zh-CN" altLang="en-US" b="1" dirty="0" smtClean="0">
+                <a:solidFill>
+                  <a:schemeClr val="bg2"/>
+                </a:solidFill>
+              </a:rPr>
+              <a:t>标准共识</a:t>
+            </a:r>
+            <a:endParaRPr lang="en-US" b="1" dirty="0">
+              <a:solidFill>
+                <a:schemeClr val="bg2"/>
+              </a:solidFill>
+            </a:endParaRPr>
+          </a:p>
+          <a:p>
+            <a:pPr lvl="1">
+              <a:lnSpc>
+                <a:spcPct val="150000"/>
+              </a:lnSpc>
+              <a:buClr>
+                <a:srgbClr val="68B57F"/>
+              </a:buClr>
+              <a:buSzPct val="100000"/>
+            </a:pPr>
+            <a:r>
+              <a:rPr lang="zh-CN" altLang="en-US" smtClean="0"/>
+              <a:t>掌握中国区块链产业的上下游资源</a:t>
+            </a:r>
+            <a:endParaRPr lang="en-US" altLang="zh-CN" dirty="0" smtClean="0"/>
+          </a:p>
+          <a:p>
+            <a:pPr lvl="1">
+              <a:lnSpc>
+                <a:spcPct val="150000"/>
+              </a:lnSpc>
+              <a:buClr>
+                <a:srgbClr val="68B57F"/>
+              </a:buClr>
+              <a:buSzPct val="100000"/>
+            </a:pPr>
+            <a:r>
+              <a:rPr lang="zh-CN" altLang="en-US" dirty="0" smtClean="0">
+                <a:solidFill>
+                  <a:srgbClr val="FF0000"/>
+                </a:solidFill>
+              </a:rPr>
+              <a:t>引入成熟产业链和相关资源（待定）</a:t>
+            </a:r>
+            <a:endParaRPr lang="en-US" altLang="zh-CN" dirty="0" smtClean="0">
+              <a:solidFill>
+                <a:srgbClr val="FF0000"/>
+              </a:solidFill>
+            </a:endParaRPr>
+          </a:p>
+          <a:p>
+            <a:pPr lvl="1">
+              <a:lnSpc>
+                <a:spcPct val="150000"/>
+              </a:lnSpc>
+              <a:buClr>
+                <a:srgbClr val="68B57F"/>
+              </a:buClr>
+              <a:buSzPct val="100000"/>
+            </a:pPr>
+            <a:r>
+              <a:rPr lang="zh-CN" altLang="en-US" dirty="0"/>
+              <a:t>公司设立在杜库姆产业园</a:t>
+            </a:r>
+            <a:endParaRPr lang="en-US" altLang="zh-CN" dirty="0" smtClean="0"/>
+          </a:p>
+          <a:p>
+            <a:pPr lvl="1">
+              <a:lnSpc>
+                <a:spcPct val="150000"/>
+              </a:lnSpc>
+              <a:buClr>
+                <a:srgbClr val="68B57F"/>
+              </a:buClr>
+              <a:buSzPct val="100000"/>
+            </a:pPr>
+            <a:r>
+              <a:rPr lang="zh-CN" altLang="en-US" dirty="0"/>
+              <a:t>公司享受杜库姆产业</a:t>
+            </a:r>
+            <a:r>
+              <a:rPr lang="zh-CN" altLang="en-US" dirty="0" smtClean="0"/>
+              <a:t>园各项优惠政策，包括：税收、场地和金融政策</a:t>
+            </a:r>
+            <a:endParaRPr lang="en-US" dirty="0"/>
+          </a:p>
+          <a:p>
+            <a:pPr lvl="1">
+              <a:lnSpc>
+                <a:spcPct val="150000"/>
+              </a:lnSpc>
+              <a:buClr>
+                <a:srgbClr val="68B57F"/>
+              </a:buClr>
+              <a:buSzPct val="100000"/>
+            </a:pPr>
+            <a:r>
+              <a:rPr lang="zh-CN" altLang="en-US" dirty="0" smtClean="0"/>
+              <a:t>阿曼为公司提供当地工作的各项便利性</a:t>
+            </a:r>
+            <a:endParaRPr lang="en-US" dirty="0"/>
+          </a:p>
+          <a:p>
+            <a:pPr lvl="1">
+              <a:lnSpc>
+                <a:spcPct val="150000"/>
+              </a:lnSpc>
+              <a:buClr>
+                <a:srgbClr val="68B57F"/>
+              </a:buClr>
+            </a:pPr>
+            <a:r>
+              <a:rPr lang="en-US" dirty="0" smtClean="0"/>
+              <a:t>XX</a:t>
+            </a:r>
+            <a:r>
+              <a:rPr lang="zh-CN" altLang="en-US" dirty="0" smtClean="0"/>
+              <a:t>为公司提供</a:t>
+            </a:r>
+            <a:r>
+              <a:rPr lang="en-US" altLang="zh-CN" dirty="0" smtClean="0"/>
+              <a:t>XXX</a:t>
             </a:r>
             <a:endParaRPr lang="en-US" dirty="0"/>
           </a:p>
@@ -17501,7 +17656,7 @@
             <a:effectLst/>
             <a:extLst>
               <a:ext uri="{C572A759-6A51-4108-AA02-DFA0A04FC94B}">
-                <ma14:wrappingTextBoxFlag xmlns="" xmlns:ma14="http://schemas.microsoft.com/office/mac/drawingml/2011/main" val="1"/>
+                <ma14:wrappingTextBoxFlag xmlns:ma14="http://schemas.microsoft.com/office/mac/drawingml/2011/main" xmlns="" val="1"/>
               </a:ext>
             </a:extLst>
           </p:spPr>
@@ -17671,7 +17826,7 @@
             <a:effectLst/>
             <a:extLst>
               <a:ext uri="{C572A759-6A51-4108-AA02-DFA0A04FC94B}">
-                <ma14:wrappingTextBoxFlag xmlns="" xmlns:ma14="http://schemas.microsoft.com/office/mac/drawingml/2011/main" val="1"/>
+                <ma14:wrappingTextBoxFlag xmlns:ma14="http://schemas.microsoft.com/office/mac/drawingml/2011/main" xmlns="" val="1"/>
               </a:ext>
             </a:extLst>
           </p:spPr>
@@ -17843,7 +17998,7 @@
             <a:effectLst/>
             <a:extLst>
               <a:ext uri="{C572A759-6A51-4108-AA02-DFA0A04FC94B}">
-                <ma14:wrappingTextBoxFlag xmlns="" xmlns:ma14="http://schemas.microsoft.com/office/mac/drawingml/2011/main" val="1"/>
+                <ma14:wrappingTextBoxFlag xmlns:ma14="http://schemas.microsoft.com/office/mac/drawingml/2011/main" xmlns="" val="1"/>
               </a:ext>
             </a:extLst>
           </p:spPr>
@@ -18015,7 +18170,7 @@
             <a:effectLst/>
             <a:extLst>
               <a:ext uri="{C572A759-6A51-4108-AA02-DFA0A04FC94B}">
-                <ma14:wrappingTextBoxFlag xmlns="" xmlns:ma14="http://schemas.microsoft.com/office/mac/drawingml/2011/main" val="1"/>
+                <ma14:wrappingTextBoxFlag xmlns:ma14="http://schemas.microsoft.com/office/mac/drawingml/2011/main" xmlns="" val="1"/>
               </a:ext>
             </a:extLst>
           </p:spPr>
@@ -18196,7 +18351,7 @@
             <a:effectLst/>
             <a:extLst>
               <a:ext uri="{C572A759-6A51-4108-AA02-DFA0A04FC94B}">
-                <ma14:wrappingTextBoxFlag xmlns="" xmlns:ma14="http://schemas.microsoft.com/office/mac/drawingml/2011/main" val="1"/>
+                <ma14:wrappingTextBoxFlag xmlns:ma14="http://schemas.microsoft.com/office/mac/drawingml/2011/main" xmlns="" val="1"/>
               </a:ext>
             </a:extLst>
           </p:spPr>
@@ -18368,7 +18523,7 @@
             <a:effectLst/>
             <a:extLst>
               <a:ext uri="{C572A759-6A51-4108-AA02-DFA0A04FC94B}">
-                <ma14:wrappingTextBoxFlag xmlns="" xmlns:ma14="http://schemas.microsoft.com/office/mac/drawingml/2011/main" val="1"/>
+                <ma14:wrappingTextBoxFlag xmlns:ma14="http://schemas.microsoft.com/office/mac/drawingml/2011/main" xmlns="" val="1"/>
               </a:ext>
             </a:extLst>
           </p:spPr>
@@ -18548,7 +18703,7 @@
             <a:effectLst/>
             <a:extLst>
               <a:ext uri="{C572A759-6A51-4108-AA02-DFA0A04FC94B}">
-                <ma14:wrappingTextBoxFlag xmlns="" xmlns:ma14="http://schemas.microsoft.com/office/mac/drawingml/2011/main" val="1"/>
+                <ma14:wrappingTextBoxFlag xmlns:ma14="http://schemas.microsoft.com/office/mac/drawingml/2011/main" xmlns="" val="1"/>
               </a:ext>
             </a:extLst>
           </p:spPr>
@@ -18720,7 +18875,7 @@
             <a:effectLst/>
             <a:extLst>
               <a:ext uri="{C572A759-6A51-4108-AA02-DFA0A04FC94B}">
-                <ma14:wrappingTextBoxFlag xmlns="" xmlns:ma14="http://schemas.microsoft.com/office/mac/drawingml/2011/main" val="1"/>
+                <ma14:wrappingTextBoxFlag xmlns:ma14="http://schemas.microsoft.com/office/mac/drawingml/2011/main" xmlns="" val="1"/>
               </a:ext>
             </a:extLst>
           </p:spPr>
@@ -18892,7 +19047,7 @@
             <a:effectLst/>
             <a:extLst>
               <a:ext uri="{C572A759-6A51-4108-AA02-DFA0A04FC94B}">
-                <ma14:wrappingTextBoxFlag xmlns="" xmlns:ma14="http://schemas.microsoft.com/office/mac/drawingml/2011/main" val="1"/>
+                <ma14:wrappingTextBoxFlag xmlns:ma14="http://schemas.microsoft.com/office/mac/drawingml/2011/main" xmlns="" val="1"/>
               </a:ext>
             </a:extLst>
           </p:spPr>
@@ -19064,7 +19219,7 @@
             <a:effectLst/>
             <a:extLst>
               <a:ext uri="{C572A759-6A51-4108-AA02-DFA0A04FC94B}">
-                <ma14:wrappingTextBoxFlag xmlns="" xmlns:ma14="http://schemas.microsoft.com/office/mac/drawingml/2011/main" val="1"/>
+                <ma14:wrappingTextBoxFlag xmlns:ma14="http://schemas.microsoft.com/office/mac/drawingml/2011/main" xmlns="" val="1"/>
               </a:ext>
             </a:extLst>
           </p:spPr>
@@ -19236,7 +19391,7 @@
             <a:effectLst/>
             <a:extLst>
               <a:ext uri="{C572A759-6A51-4108-AA02-DFA0A04FC94B}">
-                <ma14:wrappingTextBoxFlag xmlns="" xmlns:ma14="http://schemas.microsoft.com/office/mac/drawingml/2011/main" val="1"/>
+                <ma14:wrappingTextBoxFlag xmlns:ma14="http://schemas.microsoft.com/office/mac/drawingml/2011/main" xmlns="" val="1"/>
               </a:ext>
             </a:extLst>
           </p:spPr>
@@ -19408,7 +19563,7 @@
             <a:effectLst/>
             <a:extLst>
               <a:ext uri="{C572A759-6A51-4108-AA02-DFA0A04FC94B}">
-                <ma14:wrappingTextBoxFlag xmlns="" xmlns:ma14="http://schemas.microsoft.com/office/mac/drawingml/2011/main" val="1"/>
+                <ma14:wrappingTextBoxFlag xmlns:ma14="http://schemas.microsoft.com/office/mac/drawingml/2011/main" xmlns="" val="1"/>
               </a:ext>
             </a:extLst>
           </p:spPr>
@@ -19540,7 +19695,7 @@
             <a:effectLst/>
             <a:extLst>
               <a:ext uri="{C572A759-6A51-4108-AA02-DFA0A04FC94B}">
-                <ma14:wrappingTextBoxFlag xmlns="" xmlns:ma14="http://schemas.microsoft.com/office/mac/drawingml/2011/main" val="1"/>
+                <ma14:wrappingTextBoxFlag xmlns:ma14="http://schemas.microsoft.com/office/mac/drawingml/2011/main" xmlns="" val="1"/>
               </a:ext>
             </a:extLst>
           </p:spPr>
@@ -19712,7 +19867,7 @@
             <a:effectLst/>
             <a:extLst>
               <a:ext uri="{C572A759-6A51-4108-AA02-DFA0A04FC94B}">
-                <ma14:wrappingTextBoxFlag xmlns="" xmlns:ma14="http://schemas.microsoft.com/office/mac/drawingml/2011/main" val="1"/>
+                <ma14:wrappingTextBoxFlag xmlns:ma14="http://schemas.microsoft.com/office/mac/drawingml/2011/main" xmlns="" val="1"/>
               </a:ext>
             </a:extLst>
           </p:spPr>
@@ -19884,7 +20039,7 @@
             <a:effectLst/>
             <a:extLst>
               <a:ext uri="{C572A759-6A51-4108-AA02-DFA0A04FC94B}">
-                <ma14:wrappingTextBoxFlag xmlns="" xmlns:ma14="http://schemas.microsoft.com/office/mac/drawingml/2011/main" val="1"/>
+                <ma14:wrappingTextBoxFlag xmlns:ma14="http://schemas.microsoft.com/office/mac/drawingml/2011/main" xmlns="" val="1"/>
               </a:ext>
             </a:extLst>
           </p:spPr>
@@ -20065,7 +20220,7 @@
             <a:effectLst/>
             <a:extLst>
               <a:ext uri="{C572A759-6A51-4108-AA02-DFA0A04FC94B}">
-                <ma14:wrappingTextBoxFlag xmlns="" xmlns:ma14="http://schemas.microsoft.com/office/mac/drawingml/2011/main" val="1"/>
+                <ma14:wrappingTextBoxFlag xmlns:ma14="http://schemas.microsoft.com/office/mac/drawingml/2011/main" xmlns="" val="1"/>
               </a:ext>
             </a:extLst>
           </p:spPr>
@@ -20237,7 +20392,7 @@
             <a:effectLst/>
             <a:extLst>
               <a:ext uri="{C572A759-6A51-4108-AA02-DFA0A04FC94B}">
-                <ma14:wrappingTextBoxFlag xmlns="" xmlns:ma14="http://schemas.microsoft.com/office/mac/drawingml/2011/main" val="1"/>
+                <ma14:wrappingTextBoxFlag xmlns:ma14="http://schemas.microsoft.com/office/mac/drawingml/2011/main" xmlns="" val="1"/>
               </a:ext>
             </a:extLst>
           </p:spPr>
@@ -20409,7 +20564,7 @@
             <a:effectLst/>
             <a:extLst>
               <a:ext uri="{C572A759-6A51-4108-AA02-DFA0A04FC94B}">
-                <ma14:wrappingTextBoxFlag xmlns="" xmlns:ma14="http://schemas.microsoft.com/office/mac/drawingml/2011/main" val="1"/>
+                <ma14:wrappingTextBoxFlag xmlns:ma14="http://schemas.microsoft.com/office/mac/drawingml/2011/main" xmlns="" val="1"/>
               </a:ext>
             </a:extLst>
           </p:spPr>
@@ -20581,7 +20736,7 @@
             <a:effectLst/>
             <a:extLst>
               <a:ext uri="{C572A759-6A51-4108-AA02-DFA0A04FC94B}">
-                <ma14:wrappingTextBoxFlag xmlns="" xmlns:ma14="http://schemas.microsoft.com/office/mac/drawingml/2011/main" val="1"/>
+                <ma14:wrappingTextBoxFlag xmlns:ma14="http://schemas.microsoft.com/office/mac/drawingml/2011/main" xmlns="" val="1"/>
               </a:ext>
             </a:extLst>
           </p:spPr>
@@ -20698,7 +20853,7 @@
           <a:effectLst/>
           <a:extLst>
             <a:ext uri="{C572A759-6A51-4108-AA02-DFA0A04FC94B}">
-              <ma14:wrappingTextBoxFlag xmlns="" xmlns:ma14="http://schemas.microsoft.com/office/mac/drawingml/2011/main" val="1"/>
+              <ma14:wrappingTextBoxFlag xmlns:ma14="http://schemas.microsoft.com/office/mac/drawingml/2011/main" xmlns="" val="1"/>
             </a:ext>
           </a:extLst>
         </p:spPr>
@@ -20828,7 +20983,7 @@
             <a:effectLst/>
             <a:extLst>
               <a:ext uri="{C572A759-6A51-4108-AA02-DFA0A04FC94B}">
-                <ma14:wrappingTextBoxFlag xmlns="" xmlns:ma14="http://schemas.microsoft.com/office/mac/drawingml/2011/main" val="1"/>
+                <ma14:wrappingTextBoxFlag xmlns:ma14="http://schemas.microsoft.com/office/mac/drawingml/2011/main" xmlns="" val="1"/>
               </a:ext>
             </a:extLst>
           </p:spPr>
@@ -20912,7 +21067,7 @@
           </a:effectLst>
           <a:extLst>
             <a:ext uri="{C572A759-6A51-4108-AA02-DFA0A04FC94B}">
-              <ma14:wrappingTextBoxFlag xmlns="" xmlns:ma14="http://schemas.microsoft.com/office/mac/drawingml/2011/main" val="1"/>
+              <ma14:wrappingTextBoxFlag xmlns:ma14="http://schemas.microsoft.com/office/mac/drawingml/2011/main" xmlns="" val="1"/>
             </a:ext>
           </a:extLst>
         </p:spPr>
@@ -20971,7 +21126,7 @@
           </a:effectLst>
           <a:extLst>
             <a:ext uri="{C572A759-6A51-4108-AA02-DFA0A04FC94B}">
-              <ma14:wrappingTextBoxFlag xmlns="" xmlns:ma14="http://schemas.microsoft.com/office/mac/drawingml/2011/main" val="1"/>
+              <ma14:wrappingTextBoxFlag xmlns:ma14="http://schemas.microsoft.com/office/mac/drawingml/2011/main" xmlns="" val="1"/>
             </a:ext>
           </a:extLst>
         </p:spPr>
@@ -21030,7 +21185,7 @@
           </a:effectLst>
           <a:extLst>
             <a:ext uri="{C572A759-6A51-4108-AA02-DFA0A04FC94B}">
-              <ma14:wrappingTextBoxFlag xmlns="" xmlns:ma14="http://schemas.microsoft.com/office/mac/drawingml/2011/main" val="1"/>
+              <ma14:wrappingTextBoxFlag xmlns:ma14="http://schemas.microsoft.com/office/mac/drawingml/2011/main" xmlns="" val="1"/>
             </a:ext>
           </a:extLst>
         </p:spPr>
@@ -21089,7 +21244,7 @@
           </a:effectLst>
           <a:extLst>
             <a:ext uri="{C572A759-6A51-4108-AA02-DFA0A04FC94B}">
-              <ma14:wrappingTextBoxFlag xmlns="" xmlns:ma14="http://schemas.microsoft.com/office/mac/drawingml/2011/main" val="1"/>
+              <ma14:wrappingTextBoxFlag xmlns:ma14="http://schemas.microsoft.com/office/mac/drawingml/2011/main" xmlns="" val="1"/>
             </a:ext>
           </a:extLst>
         </p:spPr>
@@ -21158,7 +21313,7 @@
           </a:effectLst>
           <a:extLst>
             <a:ext uri="{C572A759-6A51-4108-AA02-DFA0A04FC94B}">
-              <ma14:wrappingTextBoxFlag xmlns="" xmlns:ma14="http://schemas.microsoft.com/office/mac/drawingml/2011/main" val="1"/>
+              <ma14:wrappingTextBoxFlag xmlns:ma14="http://schemas.microsoft.com/office/mac/drawingml/2011/main" xmlns="" val="1"/>
             </a:ext>
           </a:extLst>
         </p:spPr>
@@ -21209,7 +21364,7 @@
           </a:effectLst>
           <a:extLst>
             <a:ext uri="{C572A759-6A51-4108-AA02-DFA0A04FC94B}">
-              <ma14:wrappingTextBoxFlag xmlns="" xmlns:ma14="http://schemas.microsoft.com/office/mac/drawingml/2011/main" val="1"/>
+              <ma14:wrappingTextBoxFlag xmlns:ma14="http://schemas.microsoft.com/office/mac/drawingml/2011/main" xmlns="" val="1"/>
             </a:ext>
           </a:extLst>
         </p:spPr>
@@ -21267,7 +21422,7 @@
           </a:effectLst>
           <a:extLst>
             <a:ext uri="{C572A759-6A51-4108-AA02-DFA0A04FC94B}">
-              <ma14:wrappingTextBoxFlag xmlns="" xmlns:ma14="http://schemas.microsoft.com/office/mac/drawingml/2011/main" val="1"/>
+              <ma14:wrappingTextBoxFlag xmlns:ma14="http://schemas.microsoft.com/office/mac/drawingml/2011/main" xmlns="" val="1"/>
             </a:ext>
           </a:extLst>
         </p:spPr>
@@ -21345,7 +21500,7 @@
           </a:effectLst>
           <a:extLst>
             <a:ext uri="{C572A759-6A51-4108-AA02-DFA0A04FC94B}">
-              <ma14:wrappingTextBoxFlag xmlns="" xmlns:ma14="http://schemas.microsoft.com/office/mac/drawingml/2011/main" val="1"/>
+              <ma14:wrappingTextBoxFlag xmlns:ma14="http://schemas.microsoft.com/office/mac/drawingml/2011/main" xmlns="" val="1"/>
             </a:ext>
           </a:extLst>
         </p:spPr>
@@ -22365,7 +22520,7 @@
   <a:extraClrSchemeLst/>
   <a:extLst>
     <a:ext uri="{05A4C25C-085E-4340-85A3-A5531E510DB2}">
-      <thm15:themeFamily xmlns:thm15="http://schemas.microsoft.com/office/thememl/2012/main" xmlns="" name="Office Theme" id="{62F939B6-93AF-4DB8-9C6B-D6C7DFDC589F}" vid="{4A3C46E8-61CC-4603-A589-7422A47A8E4A}"/>
+      <thm15:themeFamily xmlns="" xmlns:thm15="http://schemas.microsoft.com/office/thememl/2012/main" name="Office Theme" id="{62F939B6-93AF-4DB8-9C6B-D6C7DFDC589F}" vid="{4A3C46E8-61CC-4603-A589-7422A47A8E4A}"/>
     </a:ext>
   </a:extLst>
 </a:theme>
@@ -22626,7 +22781,7 @@
   <a:extraClrSchemeLst/>
   <a:extLst>
     <a:ext uri="{05A4C25C-085E-4340-85A3-A5531E510DB2}">
-      <thm15:themeFamily xmlns:thm15="http://schemas.microsoft.com/office/thememl/2012/main" xmlns="" name="Office Theme" id="{62F939B6-93AF-4DB8-9C6B-D6C7DFDC589F}" vid="{4A3C46E8-61CC-4603-A589-7422A47A8E4A}"/>
+      <thm15:themeFamily xmlns="" xmlns:thm15="http://schemas.microsoft.com/office/thememl/2012/main" name="Office Theme" id="{62F939B6-93AF-4DB8-9C6B-D6C7DFDC589F}" vid="{4A3C46E8-61CC-4603-A589-7422A47A8E4A}"/>
     </a:ext>
   </a:extLst>
 </a:theme>
@@ -22887,7 +23042,7 @@
   <a:extraClrSchemeLst/>
   <a:extLst>
     <a:ext uri="{05A4C25C-085E-4340-85A3-A5531E510DB2}">
-      <thm15:themeFamily xmlns:thm15="http://schemas.microsoft.com/office/thememl/2012/main" xmlns="" name="Office Theme" id="{62F939B6-93AF-4DB8-9C6B-D6C7DFDC589F}" vid="{4A3C46E8-61CC-4603-A589-7422A47A8E4A}"/>
+      <thm15:themeFamily xmlns="" xmlns:thm15="http://schemas.microsoft.com/office/thememl/2012/main" name="Office Theme" id="{62F939B6-93AF-4DB8-9C6B-D6C7DFDC589F}" vid="{4A3C46E8-61CC-4603-A589-7422A47A8E4A}"/>
     </a:ext>
   </a:extLst>
 </a:theme>
